--- a/Git e GitHub.pptx
+++ b/Git e GitHub.pptx
@@ -39,10 +39,12 @@
     <p:sldId id="325" r:id="rId33"/>
     <p:sldId id="326" r:id="rId34"/>
     <p:sldId id="327" r:id="rId35"/>
-    <p:sldId id="284" r:id="rId36"/>
-    <p:sldId id="285" r:id="rId37"/>
-    <p:sldId id="286" r:id="rId38"/>
-    <p:sldId id="287" r:id="rId39"/>
+    <p:sldId id="328" r:id="rId36"/>
+    <p:sldId id="329" r:id="rId37"/>
+    <p:sldId id="284" r:id="rId38"/>
+    <p:sldId id="285" r:id="rId39"/>
+    <p:sldId id="286" r:id="rId40"/>
+    <p:sldId id="287" r:id="rId41"/>
   </p:sldIdLst>
   <p:sldSz cx="12192000" cy="6858000"/>
   <p:notesSz cx="6858000" cy="9144000"/>
@@ -6197,31 +6199,66 @@
           </a:p>
         </p:txBody>
       </p:sp>
-      <p:sp>
-        <p:nvSpPr>
-          <p:cNvPr id="3" name="Espaço Reservado para Conteúdo 2">
-            <a:extLst>
-              <a:ext uri="{FF2B5EF4-FFF2-40B4-BE49-F238E27FC236}">
-                <a16:creationId xmlns:a16="http://schemas.microsoft.com/office/drawing/2014/main" id="{F623FFE5-F575-4FCA-BAF0-863A10666D45}"/>
-              </a:ext>
-            </a:extLst>
-          </p:cNvPr>
-          <p:cNvSpPr>
-            <a:spLocks noGrp="1"/>
-          </p:cNvSpPr>
-          <p:nvPr>
-            <p:ph idx="1"/>
-          </p:nvPr>
-        </p:nvSpPr>
-        <p:spPr/>
-        <p:txBody>
-          <a:bodyPr/>
-          <a:lstStyle/>
-          <a:p>
-            <a:endParaRPr lang="pt-BR"/>
-          </a:p>
-        </p:txBody>
-      </p:sp>
+      <p:pic>
+        <p:nvPicPr>
+          <p:cNvPr id="4" name="Imagem 3">
+            <a:extLst>
+              <a:ext uri="{FF2B5EF4-FFF2-40B4-BE49-F238E27FC236}">
+                <a16:creationId xmlns:a16="http://schemas.microsoft.com/office/drawing/2014/main" id="{E7B498E4-7627-480C-8D67-18F1F83DE490}"/>
+              </a:ext>
+            </a:extLst>
+          </p:cNvPr>
+          <p:cNvPicPr>
+            <a:picLocks noChangeAspect="1"/>
+          </p:cNvPicPr>
+          <p:nvPr/>
+        </p:nvPicPr>
+        <p:blipFill>
+          <a:blip r:embed="rId2"/>
+          <a:stretch>
+            <a:fillRect/>
+          </a:stretch>
+        </p:blipFill>
+        <p:spPr>
+          <a:xfrm>
+            <a:off x="838200" y="1690688"/>
+            <a:ext cx="10825018" cy="960017"/>
+          </a:xfrm>
+          <a:prstGeom prst="rect">
+            <a:avLst/>
+          </a:prstGeom>
+        </p:spPr>
+      </p:pic>
+      <p:pic>
+        <p:nvPicPr>
+          <p:cNvPr id="5" name="Imagem 4">
+            <a:extLst>
+              <a:ext uri="{FF2B5EF4-FFF2-40B4-BE49-F238E27FC236}">
+                <a16:creationId xmlns:a16="http://schemas.microsoft.com/office/drawing/2014/main" id="{946C29E0-9D00-40FF-A9A8-A5ED1E7595FF}"/>
+              </a:ext>
+            </a:extLst>
+          </p:cNvPr>
+          <p:cNvPicPr>
+            <a:picLocks noChangeAspect="1"/>
+          </p:cNvPicPr>
+          <p:nvPr/>
+        </p:nvPicPr>
+        <p:blipFill>
+          <a:blip r:embed="rId3"/>
+          <a:stretch>
+            <a:fillRect/>
+          </a:stretch>
+        </p:blipFill>
+        <p:spPr>
+          <a:xfrm>
+            <a:off x="838200" y="2976143"/>
+            <a:ext cx="7991475" cy="2000250"/>
+          </a:xfrm>
+          <a:prstGeom prst="rect">
+            <a:avLst/>
+          </a:prstGeom>
+        </p:spPr>
+      </p:pic>
     </p:spTree>
     <p:extLst>
       <p:ext uri="{BB962C8B-B14F-4D97-AF65-F5344CB8AC3E}">
@@ -6252,6 +6289,126 @@
           <a:chExt cx="0" cy="0"/>
         </a:xfrm>
       </p:grpSpPr>
+      <p:pic>
+        <p:nvPicPr>
+          <p:cNvPr id="2" name="Imagem 1">
+            <a:extLst>
+              <a:ext uri="{FF2B5EF4-FFF2-40B4-BE49-F238E27FC236}">
+                <a16:creationId xmlns:a16="http://schemas.microsoft.com/office/drawing/2014/main" id="{6C07114B-30CE-4698-BFED-DBF3A5317A3F}"/>
+              </a:ext>
+            </a:extLst>
+          </p:cNvPr>
+          <p:cNvPicPr>
+            <a:picLocks noChangeAspect="1"/>
+          </p:cNvPicPr>
+          <p:nvPr/>
+        </p:nvPicPr>
+        <p:blipFill>
+          <a:blip r:embed="rId2"/>
+          <a:stretch>
+            <a:fillRect/>
+          </a:stretch>
+        </p:blipFill>
+        <p:spPr>
+          <a:xfrm>
+            <a:off x="2458979" y="2229808"/>
+            <a:ext cx="7274042" cy="2398383"/>
+          </a:xfrm>
+          <a:prstGeom prst="rect">
+            <a:avLst/>
+          </a:prstGeom>
+        </p:spPr>
+      </p:pic>
+    </p:spTree>
+    <p:extLst>
+      <p:ext uri="{BB962C8B-B14F-4D97-AF65-F5344CB8AC3E}">
+        <p14:creationId xmlns:p14="http://schemas.microsoft.com/office/powerpoint/2010/main" val="101522779"/>
+      </p:ext>
+    </p:extLst>
+  </p:cSld>
+  <p:clrMapOvr>
+    <a:masterClrMapping/>
+  </p:clrMapOvr>
+</p:sld>
+</file>
+
+<file path=ppt/slides/slide36.xml><?xml version="1.0" encoding="utf-8"?>
+<p:sld xmlns:a="http://schemas.openxmlformats.org/drawingml/2006/main" xmlns:r="http://schemas.openxmlformats.org/officeDocument/2006/relationships" xmlns:p="http://schemas.openxmlformats.org/presentationml/2006/main">
+  <p:cSld>
+    <p:spTree>
+      <p:nvGrpSpPr>
+        <p:cNvPr id="1" name=""/>
+        <p:cNvGrpSpPr/>
+        <p:nvPr/>
+      </p:nvGrpSpPr>
+      <p:grpSpPr>
+        <a:xfrm>
+          <a:off x="0" y="0"/>
+          <a:ext cx="0" cy="0"/>
+          <a:chOff x="0" y="0"/>
+          <a:chExt cx="0" cy="0"/>
+        </a:xfrm>
+      </p:grpSpPr>
+      <p:pic>
+        <p:nvPicPr>
+          <p:cNvPr id="2" name="Imagem 1">
+            <a:extLst>
+              <a:ext uri="{FF2B5EF4-FFF2-40B4-BE49-F238E27FC236}">
+                <a16:creationId xmlns:a16="http://schemas.microsoft.com/office/drawing/2014/main" id="{B11ADCF7-1B82-4B14-B788-6BBF7159714F}"/>
+              </a:ext>
+            </a:extLst>
+          </p:cNvPr>
+          <p:cNvPicPr>
+            <a:picLocks noChangeAspect="1"/>
+          </p:cNvPicPr>
+          <p:nvPr/>
+        </p:nvPicPr>
+        <p:blipFill>
+          <a:blip r:embed="rId2"/>
+          <a:stretch>
+            <a:fillRect/>
+          </a:stretch>
+        </p:blipFill>
+        <p:spPr>
+          <a:xfrm>
+            <a:off x="3231284" y="411059"/>
+            <a:ext cx="6133658" cy="5807977"/>
+          </a:xfrm>
+          <a:prstGeom prst="rect">
+            <a:avLst/>
+          </a:prstGeom>
+        </p:spPr>
+      </p:pic>
+    </p:spTree>
+    <p:extLst>
+      <p:ext uri="{BB962C8B-B14F-4D97-AF65-F5344CB8AC3E}">
+        <p14:creationId xmlns:p14="http://schemas.microsoft.com/office/powerpoint/2010/main" val="3049795462"/>
+      </p:ext>
+    </p:extLst>
+  </p:cSld>
+  <p:clrMapOvr>
+    <a:masterClrMapping/>
+  </p:clrMapOvr>
+</p:sld>
+</file>
+
+<file path=ppt/slides/slide37.xml><?xml version="1.0" encoding="utf-8"?>
+<p:sld xmlns:a="http://schemas.openxmlformats.org/drawingml/2006/main" xmlns:r="http://schemas.openxmlformats.org/officeDocument/2006/relationships" xmlns:p="http://schemas.openxmlformats.org/presentationml/2006/main">
+  <p:cSld>
+    <p:spTree>
+      <p:nvGrpSpPr>
+        <p:cNvPr id="1" name=""/>
+        <p:cNvGrpSpPr/>
+        <p:nvPr/>
+      </p:nvGrpSpPr>
+      <p:grpSpPr>
+        <a:xfrm>
+          <a:off x="0" y="0"/>
+          <a:ext cx="0" cy="0"/>
+          <a:chOff x="0" y="0"/>
+          <a:chExt cx="0" cy="0"/>
+        </a:xfrm>
+      </p:grpSpPr>
       <p:sp>
         <p:nvSpPr>
           <p:cNvPr id="2" name="Título 1">
@@ -6448,7 +6605,7 @@
 </p:sld>
 </file>
 
-<file path=ppt/slides/slide36.xml><?xml version="1.0" encoding="utf-8"?>
+<file path=ppt/slides/slide38.xml><?xml version="1.0" encoding="utf-8"?>
 <p:sld xmlns:a="http://schemas.openxmlformats.org/drawingml/2006/main" xmlns:r="http://schemas.openxmlformats.org/officeDocument/2006/relationships" xmlns:p="http://schemas.openxmlformats.org/presentationml/2006/main">
   <p:cSld>
     <p:spTree>
@@ -6508,7 +6665,7 @@
 </p:sld>
 </file>
 
-<file path=ppt/slides/slide37.xml><?xml version="1.0" encoding="utf-8"?>
+<file path=ppt/slides/slide39.xml><?xml version="1.0" encoding="utf-8"?>
 <p:sld xmlns:a="http://schemas.openxmlformats.org/drawingml/2006/main" xmlns:r="http://schemas.openxmlformats.org/officeDocument/2006/relationships" xmlns:p="http://schemas.openxmlformats.org/presentationml/2006/main">
   <p:cSld>
     <p:spTree>
@@ -6568,66 +6725,6 @@
 </p:sld>
 </file>
 
-<file path=ppt/slides/slide38.xml><?xml version="1.0" encoding="utf-8"?>
-<p:sld xmlns:a="http://schemas.openxmlformats.org/drawingml/2006/main" xmlns:r="http://schemas.openxmlformats.org/officeDocument/2006/relationships" xmlns:p="http://schemas.openxmlformats.org/presentationml/2006/main">
-  <p:cSld>
-    <p:spTree>
-      <p:nvGrpSpPr>
-        <p:cNvPr id="1" name=""/>
-        <p:cNvGrpSpPr/>
-        <p:nvPr/>
-      </p:nvGrpSpPr>
-      <p:grpSpPr>
-        <a:xfrm>
-          <a:off x="0" y="0"/>
-          <a:ext cx="0" cy="0"/>
-          <a:chOff x="0" y="0"/>
-          <a:chExt cx="0" cy="0"/>
-        </a:xfrm>
-      </p:grpSpPr>
-      <p:pic>
-        <p:nvPicPr>
-          <p:cNvPr id="2" name="Imagem 1">
-            <a:extLst>
-              <a:ext uri="{FF2B5EF4-FFF2-40B4-BE49-F238E27FC236}">
-                <a16:creationId xmlns:a16="http://schemas.microsoft.com/office/drawing/2014/main" id="{207C687F-C871-4C11-B1EF-EB5EA60E2B87}"/>
-              </a:ext>
-            </a:extLst>
-          </p:cNvPr>
-          <p:cNvPicPr>
-            <a:picLocks noChangeAspect="1"/>
-          </p:cNvPicPr>
-          <p:nvPr/>
-        </p:nvPicPr>
-        <p:blipFill>
-          <a:blip r:embed="rId2"/>
-          <a:stretch>
-            <a:fillRect/>
-          </a:stretch>
-        </p:blipFill>
-        <p:spPr>
-          <a:xfrm>
-            <a:off x="1553029" y="1245925"/>
-            <a:ext cx="9398294" cy="4516246"/>
-          </a:xfrm>
-          <a:prstGeom prst="rect">
-            <a:avLst/>
-          </a:prstGeom>
-        </p:spPr>
-      </p:pic>
-    </p:spTree>
-    <p:extLst>
-      <p:ext uri="{BB962C8B-B14F-4D97-AF65-F5344CB8AC3E}">
-        <p14:creationId xmlns:p14="http://schemas.microsoft.com/office/powerpoint/2010/main" val="3948534472"/>
-      </p:ext>
-    </p:extLst>
-  </p:cSld>
-  <p:clrMapOvr>
-    <a:masterClrMapping/>
-  </p:clrMapOvr>
-</p:sld>
-</file>
-
 <file path=ppt/slides/slide4.xml><?xml version="1.0" encoding="utf-8"?>
 <p:sld xmlns:a="http://schemas.openxmlformats.org/drawingml/2006/main" xmlns:r="http://schemas.openxmlformats.org/officeDocument/2006/relationships" xmlns:p="http://schemas.openxmlformats.org/presentationml/2006/main">
   <p:cSld>
@@ -7136,6 +7233,66 @@
     <p:extLst>
       <p:ext uri="{BB962C8B-B14F-4D97-AF65-F5344CB8AC3E}">
         <p14:creationId xmlns:p14="http://schemas.microsoft.com/office/powerpoint/2010/main" val="3176148533"/>
+      </p:ext>
+    </p:extLst>
+  </p:cSld>
+  <p:clrMapOvr>
+    <a:masterClrMapping/>
+  </p:clrMapOvr>
+</p:sld>
+</file>
+
+<file path=ppt/slides/slide40.xml><?xml version="1.0" encoding="utf-8"?>
+<p:sld xmlns:a="http://schemas.openxmlformats.org/drawingml/2006/main" xmlns:r="http://schemas.openxmlformats.org/officeDocument/2006/relationships" xmlns:p="http://schemas.openxmlformats.org/presentationml/2006/main">
+  <p:cSld>
+    <p:spTree>
+      <p:nvGrpSpPr>
+        <p:cNvPr id="1" name=""/>
+        <p:cNvGrpSpPr/>
+        <p:nvPr/>
+      </p:nvGrpSpPr>
+      <p:grpSpPr>
+        <a:xfrm>
+          <a:off x="0" y="0"/>
+          <a:ext cx="0" cy="0"/>
+          <a:chOff x="0" y="0"/>
+          <a:chExt cx="0" cy="0"/>
+        </a:xfrm>
+      </p:grpSpPr>
+      <p:pic>
+        <p:nvPicPr>
+          <p:cNvPr id="2" name="Imagem 1">
+            <a:extLst>
+              <a:ext uri="{FF2B5EF4-FFF2-40B4-BE49-F238E27FC236}">
+                <a16:creationId xmlns:a16="http://schemas.microsoft.com/office/drawing/2014/main" id="{207C687F-C871-4C11-B1EF-EB5EA60E2B87}"/>
+              </a:ext>
+            </a:extLst>
+          </p:cNvPr>
+          <p:cNvPicPr>
+            <a:picLocks noChangeAspect="1"/>
+          </p:cNvPicPr>
+          <p:nvPr/>
+        </p:nvPicPr>
+        <p:blipFill>
+          <a:blip r:embed="rId2"/>
+          <a:stretch>
+            <a:fillRect/>
+          </a:stretch>
+        </p:blipFill>
+        <p:spPr>
+          <a:xfrm>
+            <a:off x="1553029" y="1245925"/>
+            <a:ext cx="9398294" cy="4516246"/>
+          </a:xfrm>
+          <a:prstGeom prst="rect">
+            <a:avLst/>
+          </a:prstGeom>
+        </p:spPr>
+      </p:pic>
+    </p:spTree>
+    <p:extLst>
+      <p:ext uri="{BB962C8B-B14F-4D97-AF65-F5344CB8AC3E}">
+        <p14:creationId xmlns:p14="http://schemas.microsoft.com/office/powerpoint/2010/main" val="3948534472"/>
       </p:ext>
     </p:extLst>
   </p:cSld>

--- a/Git e GitHub.pptx
+++ b/Git e GitHub.pptx
@@ -41,10 +41,20 @@
     <p:sldId id="327" r:id="rId35"/>
     <p:sldId id="328" r:id="rId36"/>
     <p:sldId id="329" r:id="rId37"/>
-    <p:sldId id="284" r:id="rId38"/>
-    <p:sldId id="285" r:id="rId39"/>
-    <p:sldId id="286" r:id="rId40"/>
-    <p:sldId id="287" r:id="rId41"/>
+    <p:sldId id="330" r:id="rId38"/>
+    <p:sldId id="331" r:id="rId39"/>
+    <p:sldId id="332" r:id="rId40"/>
+    <p:sldId id="333" r:id="rId41"/>
+    <p:sldId id="335" r:id="rId42"/>
+    <p:sldId id="336" r:id="rId43"/>
+    <p:sldId id="338" r:id="rId44"/>
+    <p:sldId id="339" r:id="rId45"/>
+    <p:sldId id="337" r:id="rId46"/>
+    <p:sldId id="334" r:id="rId47"/>
+    <p:sldId id="284" r:id="rId48"/>
+    <p:sldId id="285" r:id="rId49"/>
+    <p:sldId id="286" r:id="rId50"/>
+    <p:sldId id="287" r:id="rId51"/>
   </p:sldIdLst>
   <p:sldSz cx="12192000" cy="6858000"/>
   <p:notesSz cx="6858000" cy="9144000"/>
@@ -6414,6 +6424,1255 @@
           <p:cNvPr id="2" name="Título 1">
             <a:extLst>
               <a:ext uri="{FF2B5EF4-FFF2-40B4-BE49-F238E27FC236}">
+                <a16:creationId xmlns:a16="http://schemas.microsoft.com/office/drawing/2014/main" id="{B6654806-9C3D-478F-B618-C1404E56964C}"/>
+              </a:ext>
+            </a:extLst>
+          </p:cNvPr>
+          <p:cNvSpPr>
+            <a:spLocks noGrp="1"/>
+          </p:cNvSpPr>
+          <p:nvPr>
+            <p:ph type="title"/>
+          </p:nvPr>
+        </p:nvSpPr>
+        <p:spPr/>
+        <p:txBody>
+          <a:bodyPr/>
+          <a:lstStyle/>
+          <a:p>
+            <a:r>
+              <a:rPr lang="pt-BR" dirty="0" err="1"/>
+              <a:t>Subquerys</a:t>
+            </a:r>
+            <a:endParaRPr lang="pt-BR" dirty="0"/>
+          </a:p>
+        </p:txBody>
+      </p:sp>
+      <p:sp>
+        <p:nvSpPr>
+          <p:cNvPr id="3" name="Espaço Reservado para Conteúdo 2">
+            <a:extLst>
+              <a:ext uri="{FF2B5EF4-FFF2-40B4-BE49-F238E27FC236}">
+                <a16:creationId xmlns:a16="http://schemas.microsoft.com/office/drawing/2014/main" id="{D82966B5-75A7-4A71-993D-EB8598963262}"/>
+              </a:ext>
+            </a:extLst>
+          </p:cNvPr>
+          <p:cNvSpPr>
+            <a:spLocks noGrp="1"/>
+          </p:cNvSpPr>
+          <p:nvPr>
+            <p:ph idx="1"/>
+          </p:nvPr>
+        </p:nvSpPr>
+        <p:spPr/>
+        <p:txBody>
+          <a:bodyPr/>
+          <a:lstStyle/>
+          <a:p>
+            <a:r>
+              <a:rPr lang="pt-BR" dirty="0"/>
+              <a:t>Um SELECT dentro de outro SELECT</a:t>
+            </a:r>
+          </a:p>
+        </p:txBody>
+      </p:sp>
+    </p:spTree>
+    <p:extLst>
+      <p:ext uri="{BB962C8B-B14F-4D97-AF65-F5344CB8AC3E}">
+        <p14:creationId xmlns:p14="http://schemas.microsoft.com/office/powerpoint/2010/main" val="3556823293"/>
+      </p:ext>
+    </p:extLst>
+  </p:cSld>
+  <p:clrMapOvr>
+    <a:masterClrMapping/>
+  </p:clrMapOvr>
+</p:sld>
+</file>
+
+<file path=ppt/slides/slide38.xml><?xml version="1.0" encoding="utf-8"?>
+<p:sld xmlns:a="http://schemas.openxmlformats.org/drawingml/2006/main" xmlns:r="http://schemas.openxmlformats.org/officeDocument/2006/relationships" xmlns:p="http://schemas.openxmlformats.org/presentationml/2006/main">
+  <p:cSld>
+    <p:spTree>
+      <p:nvGrpSpPr>
+        <p:cNvPr id="1" name=""/>
+        <p:cNvGrpSpPr/>
+        <p:nvPr/>
+      </p:nvGrpSpPr>
+      <p:grpSpPr>
+        <a:xfrm>
+          <a:off x="0" y="0"/>
+          <a:ext cx="0" cy="0"/>
+          <a:chOff x="0" y="0"/>
+          <a:chExt cx="0" cy="0"/>
+        </a:xfrm>
+      </p:grpSpPr>
+      <p:sp>
+        <p:nvSpPr>
+          <p:cNvPr id="2" name="Título 1">
+            <a:extLst>
+              <a:ext uri="{FF2B5EF4-FFF2-40B4-BE49-F238E27FC236}">
+                <a16:creationId xmlns:a16="http://schemas.microsoft.com/office/drawing/2014/main" id="{81B4DEDF-941E-4DA0-BD61-11AAEFC0AECB}"/>
+              </a:ext>
+            </a:extLst>
+          </p:cNvPr>
+          <p:cNvSpPr>
+            <a:spLocks noGrp="1"/>
+          </p:cNvSpPr>
+          <p:nvPr>
+            <p:ph type="title"/>
+          </p:nvPr>
+        </p:nvSpPr>
+        <p:spPr/>
+        <p:txBody>
+          <a:bodyPr/>
+          <a:lstStyle/>
+          <a:p>
+            <a:r>
+              <a:rPr lang="pt-BR" dirty="0"/>
+              <a:t>Verifique os campos que possuem códigos: UF = GO, UF = código.</a:t>
+            </a:r>
+          </a:p>
+        </p:txBody>
+      </p:sp>
+      <p:sp>
+        <p:nvSpPr>
+          <p:cNvPr id="3" name="Espaço Reservado para Conteúdo 2">
+            <a:extLst>
+              <a:ext uri="{FF2B5EF4-FFF2-40B4-BE49-F238E27FC236}">
+                <a16:creationId xmlns:a16="http://schemas.microsoft.com/office/drawing/2014/main" id="{B6CFD8A7-778A-4449-BF11-8325C473CB09}"/>
+              </a:ext>
+            </a:extLst>
+          </p:cNvPr>
+          <p:cNvSpPr>
+            <a:spLocks noGrp="1"/>
+          </p:cNvSpPr>
+          <p:nvPr>
+            <p:ph idx="1"/>
+          </p:nvPr>
+        </p:nvSpPr>
+        <p:spPr/>
+        <p:txBody>
+          <a:bodyPr/>
+          <a:lstStyle/>
+          <a:p>
+            <a:r>
+              <a:rPr lang="pt-BR" dirty="0"/>
+              <a:t>Análise os campos que  possuem códigos e mostre-os:</a:t>
+            </a:r>
+          </a:p>
+        </p:txBody>
+      </p:sp>
+    </p:spTree>
+    <p:extLst>
+      <p:ext uri="{BB962C8B-B14F-4D97-AF65-F5344CB8AC3E}">
+        <p14:creationId xmlns:p14="http://schemas.microsoft.com/office/powerpoint/2010/main" val="2005100112"/>
+      </p:ext>
+    </p:extLst>
+  </p:cSld>
+  <p:clrMapOvr>
+    <a:masterClrMapping/>
+  </p:clrMapOvr>
+</p:sld>
+</file>
+
+<file path=ppt/slides/slide39.xml><?xml version="1.0" encoding="utf-8"?>
+<p:sld xmlns:a="http://schemas.openxmlformats.org/drawingml/2006/main" xmlns:r="http://schemas.openxmlformats.org/officeDocument/2006/relationships" xmlns:p="http://schemas.openxmlformats.org/presentationml/2006/main">
+  <p:cSld>
+    <p:spTree>
+      <p:nvGrpSpPr>
+        <p:cNvPr id="1" name=""/>
+        <p:cNvGrpSpPr/>
+        <p:nvPr/>
+      </p:nvGrpSpPr>
+      <p:grpSpPr>
+        <a:xfrm>
+          <a:off x="0" y="0"/>
+          <a:ext cx="0" cy="0"/>
+          <a:chOff x="0" y="0"/>
+          <a:chExt cx="0" cy="0"/>
+        </a:xfrm>
+      </p:grpSpPr>
+      <p:pic>
+        <p:nvPicPr>
+          <p:cNvPr id="2" name="Imagem 1">
+            <a:extLst>
+              <a:ext uri="{FF2B5EF4-FFF2-40B4-BE49-F238E27FC236}">
+                <a16:creationId xmlns:a16="http://schemas.microsoft.com/office/drawing/2014/main" id="{4C9247C8-9C01-45D2-A9AD-3F0D19F7BDBA}"/>
+              </a:ext>
+            </a:extLst>
+          </p:cNvPr>
+          <p:cNvPicPr>
+            <a:picLocks noChangeAspect="1"/>
+          </p:cNvPicPr>
+          <p:nvPr/>
+        </p:nvPicPr>
+        <p:blipFill>
+          <a:blip r:embed="rId2"/>
+          <a:stretch>
+            <a:fillRect/>
+          </a:stretch>
+        </p:blipFill>
+        <p:spPr>
+          <a:xfrm>
+            <a:off x="1671782" y="138627"/>
+            <a:ext cx="8656048" cy="6437664"/>
+          </a:xfrm>
+          <a:prstGeom prst="rect">
+            <a:avLst/>
+          </a:prstGeom>
+        </p:spPr>
+      </p:pic>
+    </p:spTree>
+    <p:extLst>
+      <p:ext uri="{BB962C8B-B14F-4D97-AF65-F5344CB8AC3E}">
+        <p14:creationId xmlns:p14="http://schemas.microsoft.com/office/powerpoint/2010/main" val="4275942304"/>
+      </p:ext>
+    </p:extLst>
+  </p:cSld>
+  <p:clrMapOvr>
+    <a:masterClrMapping/>
+  </p:clrMapOvr>
+</p:sld>
+</file>
+
+<file path=ppt/slides/slide4.xml><?xml version="1.0" encoding="utf-8"?>
+<p:sld xmlns:a="http://schemas.openxmlformats.org/drawingml/2006/main" xmlns:r="http://schemas.openxmlformats.org/officeDocument/2006/relationships" xmlns:p="http://schemas.openxmlformats.org/presentationml/2006/main">
+  <p:cSld>
+    <p:spTree>
+      <p:nvGrpSpPr>
+        <p:cNvPr id="1" name=""/>
+        <p:cNvGrpSpPr/>
+        <p:nvPr/>
+      </p:nvGrpSpPr>
+      <p:grpSpPr>
+        <a:xfrm>
+          <a:off x="0" y="0"/>
+          <a:ext cx="0" cy="0"/>
+          <a:chOff x="0" y="0"/>
+          <a:chExt cx="0" cy="0"/>
+        </a:xfrm>
+      </p:grpSpPr>
+      <p:pic>
+        <p:nvPicPr>
+          <p:cNvPr id="2" name="Imagem 1">
+            <a:extLst>
+              <a:ext uri="{FF2B5EF4-FFF2-40B4-BE49-F238E27FC236}">
+                <a16:creationId xmlns:a16="http://schemas.microsoft.com/office/drawing/2014/main" id="{B67A24F1-C654-4310-964A-AF8B9FBDC9CF}"/>
+              </a:ext>
+            </a:extLst>
+          </p:cNvPr>
+          <p:cNvPicPr>
+            <a:picLocks noChangeAspect="1"/>
+          </p:cNvPicPr>
+          <p:nvPr/>
+        </p:nvPicPr>
+        <p:blipFill>
+          <a:blip r:embed="rId2"/>
+          <a:stretch>
+            <a:fillRect/>
+          </a:stretch>
+        </p:blipFill>
+        <p:spPr>
+          <a:xfrm>
+            <a:off x="261257" y="2641600"/>
+            <a:ext cx="5261934" cy="1901371"/>
+          </a:xfrm>
+          <a:prstGeom prst="rect">
+            <a:avLst/>
+          </a:prstGeom>
+        </p:spPr>
+      </p:pic>
+      <p:sp>
+        <p:nvSpPr>
+          <p:cNvPr id="3" name="CaixaDeTexto 2">
+            <a:extLst>
+              <a:ext uri="{FF2B5EF4-FFF2-40B4-BE49-F238E27FC236}">
+                <a16:creationId xmlns:a16="http://schemas.microsoft.com/office/drawing/2014/main" id="{9FBF6DF3-2C92-49B4-A147-BDDA6120964A}"/>
+              </a:ext>
+            </a:extLst>
+          </p:cNvPr>
+          <p:cNvSpPr txBox="1"/>
+          <p:nvPr/>
+        </p:nvSpPr>
+        <p:spPr>
+          <a:xfrm>
+            <a:off x="8700811" y="782121"/>
+            <a:ext cx="2104571" cy="5293757"/>
+          </a:xfrm>
+          <a:prstGeom prst="rect">
+            <a:avLst/>
+          </a:prstGeom>
+        </p:spPr>
+        <p:style>
+          <a:lnRef idx="2">
+            <a:schemeClr val="dk1"/>
+          </a:lnRef>
+          <a:fillRef idx="1">
+            <a:schemeClr val="lt1"/>
+          </a:fillRef>
+          <a:effectRef idx="0">
+            <a:schemeClr val="dk1"/>
+          </a:effectRef>
+          <a:fontRef idx="minor">
+            <a:schemeClr val="dk1"/>
+          </a:fontRef>
+        </p:style>
+        <p:txBody>
+          <a:bodyPr wrap="square" rtlCol="0">
+            <a:spAutoFit/>
+          </a:bodyPr>
+          <a:lstStyle/>
+          <a:p>
+            <a:pPr marL="342900" indent="-342900">
+              <a:buFont typeface="+mj-lt"/>
+              <a:buAutoNum type="arabicPeriod"/>
+            </a:pPr>
+            <a:r>
+              <a:rPr lang="pt-BR" sz="2800" b="1" dirty="0" err="1">
+                <a:highlight>
+                  <a:srgbClr val="FFFF00"/>
+                </a:highlight>
+              </a:rPr>
+              <a:t>git</a:t>
+            </a:r>
+            <a:r>
+              <a:rPr lang="pt-BR" sz="2800" b="1" dirty="0">
+                <a:highlight>
+                  <a:srgbClr val="FFFF00"/>
+                </a:highlight>
+              </a:rPr>
+              <a:t> </a:t>
+            </a:r>
+            <a:r>
+              <a:rPr lang="pt-BR" sz="2800" b="1" dirty="0" err="1">
+                <a:highlight>
+                  <a:srgbClr val="FFFF00"/>
+                </a:highlight>
+              </a:rPr>
+              <a:t>init</a:t>
+            </a:r>
+            <a:endParaRPr lang="pt-BR" sz="2800" b="1" dirty="0">
+              <a:highlight>
+                <a:srgbClr val="FFFF00"/>
+              </a:highlight>
+            </a:endParaRPr>
+          </a:p>
+          <a:p>
+            <a:pPr marL="342900" indent="-342900">
+              <a:buFont typeface="+mj-lt"/>
+              <a:buAutoNum type="arabicPeriod"/>
+            </a:pPr>
+            <a:r>
+              <a:rPr lang="pt-BR" sz="2800" b="1" dirty="0" err="1">
+                <a:highlight>
+                  <a:srgbClr val="FFFF00"/>
+                </a:highlight>
+              </a:rPr>
+              <a:t>git</a:t>
+            </a:r>
+            <a:r>
+              <a:rPr lang="pt-BR" sz="2800" b="1" dirty="0">
+                <a:highlight>
+                  <a:srgbClr val="FFFF00"/>
+                </a:highlight>
+              </a:rPr>
+              <a:t> </a:t>
+            </a:r>
+            <a:r>
+              <a:rPr lang="pt-BR" sz="2800" b="1" dirty="0" err="1">
+                <a:highlight>
+                  <a:srgbClr val="FFFF00"/>
+                </a:highlight>
+              </a:rPr>
+              <a:t>add</a:t>
+            </a:r>
+            <a:endParaRPr lang="pt-BR" sz="2800" b="1" dirty="0">
+              <a:highlight>
+                <a:srgbClr val="FFFF00"/>
+              </a:highlight>
+            </a:endParaRPr>
+          </a:p>
+          <a:p>
+            <a:pPr marL="342900" indent="-342900">
+              <a:buFont typeface="+mj-lt"/>
+              <a:buAutoNum type="arabicPeriod"/>
+            </a:pPr>
+            <a:r>
+              <a:rPr lang="pt-BR" sz="2800" b="1" dirty="0" err="1">
+                <a:highlight>
+                  <a:srgbClr val="FFFF00"/>
+                </a:highlight>
+              </a:rPr>
+              <a:t>git</a:t>
+            </a:r>
+            <a:r>
+              <a:rPr lang="pt-BR" sz="2800" b="1" dirty="0">
+                <a:highlight>
+                  <a:srgbClr val="FFFF00"/>
+                </a:highlight>
+              </a:rPr>
+              <a:t> </a:t>
+            </a:r>
+            <a:r>
+              <a:rPr lang="pt-BR" sz="2800" b="1" dirty="0" err="1">
+                <a:highlight>
+                  <a:srgbClr val="FFFF00"/>
+                </a:highlight>
+              </a:rPr>
+              <a:t>commit</a:t>
+            </a:r>
+            <a:endParaRPr lang="pt-BR" sz="2800" b="1" dirty="0">
+              <a:highlight>
+                <a:srgbClr val="FFFF00"/>
+              </a:highlight>
+            </a:endParaRPr>
+          </a:p>
+          <a:p>
+            <a:pPr marL="342900" indent="-342900">
+              <a:buFont typeface="+mj-lt"/>
+              <a:buAutoNum type="arabicPeriod"/>
+            </a:pPr>
+            <a:r>
+              <a:rPr lang="pt-BR" sz="2400" dirty="0" err="1">
+                <a:highlight>
+                  <a:srgbClr val="C0C0C0"/>
+                </a:highlight>
+              </a:rPr>
+              <a:t>Git</a:t>
+            </a:r>
+            <a:r>
+              <a:rPr lang="pt-BR" sz="2400" dirty="0">
+                <a:highlight>
+                  <a:srgbClr val="C0C0C0"/>
+                </a:highlight>
+              </a:rPr>
+              <a:t> status</a:t>
+            </a:r>
+          </a:p>
+          <a:p>
+            <a:pPr marL="342900" indent="-342900">
+              <a:buFont typeface="+mj-lt"/>
+              <a:buAutoNum type="arabicPeriod"/>
+            </a:pPr>
+            <a:r>
+              <a:rPr lang="pt-BR" sz="2400" dirty="0" err="1">
+                <a:highlight>
+                  <a:srgbClr val="C0C0C0"/>
+                </a:highlight>
+              </a:rPr>
+              <a:t>Git</a:t>
+            </a:r>
+            <a:r>
+              <a:rPr lang="pt-BR" sz="2400" dirty="0">
+                <a:highlight>
+                  <a:srgbClr val="C0C0C0"/>
+                </a:highlight>
+              </a:rPr>
+              <a:t> log</a:t>
+            </a:r>
+          </a:p>
+          <a:p>
+            <a:pPr marL="342900" indent="-342900">
+              <a:buFont typeface="+mj-lt"/>
+              <a:buAutoNum type="arabicPeriod"/>
+            </a:pPr>
+            <a:r>
+              <a:rPr lang="pt-BR" sz="2400" dirty="0" err="1">
+                <a:highlight>
+                  <a:srgbClr val="C0C0C0"/>
+                </a:highlight>
+              </a:rPr>
+              <a:t>Git</a:t>
+            </a:r>
+            <a:r>
+              <a:rPr lang="pt-BR" sz="2400" dirty="0">
+                <a:highlight>
+                  <a:srgbClr val="C0C0C0"/>
+                </a:highlight>
+              </a:rPr>
+              <a:t> log –</a:t>
+            </a:r>
+            <a:r>
+              <a:rPr lang="pt-BR" sz="2400" dirty="0" err="1">
+                <a:highlight>
+                  <a:srgbClr val="C0C0C0"/>
+                </a:highlight>
+              </a:rPr>
+              <a:t>oneline</a:t>
+            </a:r>
+            <a:endParaRPr lang="pt-BR" sz="2400" dirty="0">
+              <a:highlight>
+                <a:srgbClr val="C0C0C0"/>
+              </a:highlight>
+            </a:endParaRPr>
+          </a:p>
+          <a:p>
+            <a:pPr marL="342900" indent="-342900">
+              <a:buFont typeface="+mj-lt"/>
+              <a:buAutoNum type="arabicPeriod"/>
+            </a:pPr>
+            <a:r>
+              <a:rPr lang="pt-BR" sz="2800" dirty="0" err="1">
+                <a:highlight>
+                  <a:srgbClr val="FFFF00"/>
+                </a:highlight>
+              </a:rPr>
+              <a:t>git</a:t>
+            </a:r>
+            <a:r>
+              <a:rPr lang="pt-BR" sz="2800" dirty="0">
+                <a:highlight>
+                  <a:srgbClr val="FFFF00"/>
+                </a:highlight>
+              </a:rPr>
+              <a:t> </a:t>
+            </a:r>
+            <a:r>
+              <a:rPr lang="pt-BR" sz="2800" dirty="0" err="1">
+                <a:highlight>
+                  <a:srgbClr val="FFFF00"/>
+                </a:highlight>
+              </a:rPr>
+              <a:t>remote</a:t>
+            </a:r>
+            <a:r>
+              <a:rPr lang="pt-BR" sz="2800" dirty="0">
+                <a:highlight>
+                  <a:srgbClr val="FFFF00"/>
+                </a:highlight>
+              </a:rPr>
+              <a:t> </a:t>
+            </a:r>
+            <a:r>
+              <a:rPr lang="pt-BR" sz="2800" dirty="0" err="1">
+                <a:highlight>
+                  <a:srgbClr val="FFFF00"/>
+                </a:highlight>
+              </a:rPr>
+              <a:t>add</a:t>
+            </a:r>
+            <a:endParaRPr lang="pt-BR" sz="2800" dirty="0">
+              <a:highlight>
+                <a:srgbClr val="FFFF00"/>
+              </a:highlight>
+            </a:endParaRPr>
+          </a:p>
+          <a:p>
+            <a:pPr marL="342900" indent="-342900">
+              <a:buFont typeface="+mj-lt"/>
+              <a:buAutoNum type="arabicPeriod"/>
+            </a:pPr>
+            <a:r>
+              <a:rPr lang="pt-BR" sz="2800" dirty="0" err="1">
+                <a:highlight>
+                  <a:srgbClr val="FFFF00"/>
+                </a:highlight>
+              </a:rPr>
+              <a:t>git</a:t>
+            </a:r>
+            <a:r>
+              <a:rPr lang="pt-BR" sz="2800" dirty="0">
+                <a:highlight>
+                  <a:srgbClr val="FFFF00"/>
+                </a:highlight>
+              </a:rPr>
+              <a:t> </a:t>
+            </a:r>
+            <a:r>
+              <a:rPr lang="pt-BR" sz="2800" dirty="0" err="1">
+                <a:highlight>
+                  <a:srgbClr val="FFFF00"/>
+                </a:highlight>
+              </a:rPr>
+              <a:t>remote</a:t>
+            </a:r>
+            <a:endParaRPr lang="pt-BR" sz="2800" dirty="0">
+              <a:highlight>
+                <a:srgbClr val="FFFF00"/>
+              </a:highlight>
+            </a:endParaRPr>
+          </a:p>
+          <a:p>
+            <a:pPr marL="342900" indent="-342900">
+              <a:buFont typeface="+mj-lt"/>
+              <a:buAutoNum type="arabicPeriod"/>
+            </a:pPr>
+            <a:r>
+              <a:rPr lang="pt-BR" sz="2800" dirty="0" err="1">
+                <a:highlight>
+                  <a:srgbClr val="FFFF00"/>
+                </a:highlight>
+              </a:rPr>
+              <a:t>git</a:t>
+            </a:r>
+            <a:r>
+              <a:rPr lang="pt-BR" sz="2800" dirty="0">
+                <a:highlight>
+                  <a:srgbClr val="FFFF00"/>
+                </a:highlight>
+              </a:rPr>
+              <a:t> </a:t>
+            </a:r>
+            <a:r>
+              <a:rPr lang="pt-BR" sz="2800" dirty="0" err="1">
+                <a:highlight>
+                  <a:srgbClr val="FFFF00"/>
+                </a:highlight>
+              </a:rPr>
+              <a:t>push</a:t>
+            </a:r>
+            <a:endParaRPr lang="pt-BR" sz="2800" dirty="0">
+              <a:highlight>
+                <a:srgbClr val="FFFF00"/>
+              </a:highlight>
+            </a:endParaRPr>
+          </a:p>
+          <a:p>
+            <a:pPr marL="342900" indent="-342900">
+              <a:buFont typeface="+mj-lt"/>
+              <a:buAutoNum type="arabicPeriod"/>
+            </a:pPr>
+            <a:endParaRPr lang="pt-BR" dirty="0"/>
+          </a:p>
+        </p:txBody>
+      </p:sp>
+      <p:cxnSp>
+        <p:nvCxnSpPr>
+          <p:cNvPr id="5" name="Conector de Seta Reta 4">
+            <a:extLst>
+              <a:ext uri="{FF2B5EF4-FFF2-40B4-BE49-F238E27FC236}">
+                <a16:creationId xmlns:a16="http://schemas.microsoft.com/office/drawing/2014/main" id="{4B4ED39D-6E03-4F59-B0EB-1E69735248AC}"/>
+              </a:ext>
+            </a:extLst>
+          </p:cNvPr>
+          <p:cNvCxnSpPr/>
+          <p:nvPr/>
+        </p:nvCxnSpPr>
+        <p:spPr>
+          <a:xfrm>
+            <a:off x="5863771" y="3280229"/>
+            <a:ext cx="2104572" cy="0"/>
+          </a:xfrm>
+          <a:prstGeom prst="straightConnector1">
+            <a:avLst/>
+          </a:prstGeom>
+          <a:ln w="76200">
+            <a:tailEnd type="triangle"/>
+          </a:ln>
+        </p:spPr>
+        <p:style>
+          <a:lnRef idx="1">
+            <a:schemeClr val="accent1"/>
+          </a:lnRef>
+          <a:fillRef idx="0">
+            <a:schemeClr val="accent1"/>
+          </a:fillRef>
+          <a:effectRef idx="0">
+            <a:schemeClr val="accent1"/>
+          </a:effectRef>
+          <a:fontRef idx="minor">
+            <a:schemeClr val="tx1"/>
+          </a:fontRef>
+        </p:style>
+      </p:cxnSp>
+      <p:sp>
+        <p:nvSpPr>
+          <p:cNvPr id="6" name="CaixaDeTexto 5">
+            <a:extLst>
+              <a:ext uri="{FF2B5EF4-FFF2-40B4-BE49-F238E27FC236}">
+                <a16:creationId xmlns:a16="http://schemas.microsoft.com/office/drawing/2014/main" id="{C63D7C4D-50F1-472A-852F-51FB47D34371}"/>
+              </a:ext>
+            </a:extLst>
+          </p:cNvPr>
+          <p:cNvSpPr txBox="1"/>
+          <p:nvPr/>
+        </p:nvSpPr>
+        <p:spPr>
+          <a:xfrm>
+            <a:off x="880802" y="782121"/>
+            <a:ext cx="6055504" cy="1477328"/>
+          </a:xfrm>
+          <a:prstGeom prst="rect">
+            <a:avLst/>
+          </a:prstGeom>
+          <a:noFill/>
+        </p:spPr>
+        <p:txBody>
+          <a:bodyPr wrap="none" rtlCol="0">
+            <a:spAutoFit/>
+          </a:bodyPr>
+          <a:lstStyle/>
+          <a:p>
+            <a:r>
+              <a:rPr lang="pt-BR" b="1" dirty="0"/>
+              <a:t>9 pontos</a:t>
+            </a:r>
+          </a:p>
+          <a:p>
+            <a:r>
+              <a:rPr lang="pt-BR" b="1" dirty="0"/>
+              <a:t>Documentar no GitHub</a:t>
+            </a:r>
+          </a:p>
+          <a:p>
+            <a:r>
+              <a:rPr lang="pt-BR" b="1" dirty="0"/>
+              <a:t>-</a:t>
+            </a:r>
+            <a:r>
+              <a:rPr lang="pt-BR" b="1" dirty="0" err="1"/>
+              <a:t>Markdown</a:t>
+            </a:r>
+            <a:r>
+              <a:rPr lang="pt-BR" b="1" dirty="0"/>
+              <a:t> ou HTML (documentar para o visitante) -3 pontos</a:t>
+            </a:r>
+          </a:p>
+          <a:p>
+            <a:endParaRPr lang="pt-BR" b="1" dirty="0"/>
+          </a:p>
+          <a:p>
+            <a:r>
+              <a:rPr lang="pt-BR" b="1" dirty="0"/>
+              <a:t>Java Básico – Fórmulas Estatísticas – 3 pontos.</a:t>
+            </a:r>
+          </a:p>
+        </p:txBody>
+      </p:sp>
+    </p:spTree>
+    <p:extLst>
+      <p:ext uri="{BB962C8B-B14F-4D97-AF65-F5344CB8AC3E}">
+        <p14:creationId xmlns:p14="http://schemas.microsoft.com/office/powerpoint/2010/main" val="3176148533"/>
+      </p:ext>
+    </p:extLst>
+  </p:cSld>
+  <p:clrMapOvr>
+    <a:masterClrMapping/>
+  </p:clrMapOvr>
+</p:sld>
+</file>
+
+<file path=ppt/slides/slide40.xml><?xml version="1.0" encoding="utf-8"?>
+<p:sld xmlns:a="http://schemas.openxmlformats.org/drawingml/2006/main" xmlns:r="http://schemas.openxmlformats.org/officeDocument/2006/relationships" xmlns:p="http://schemas.openxmlformats.org/presentationml/2006/main">
+  <p:cSld>
+    <p:spTree>
+      <p:nvGrpSpPr>
+        <p:cNvPr id="1" name=""/>
+        <p:cNvGrpSpPr/>
+        <p:nvPr/>
+      </p:nvGrpSpPr>
+      <p:grpSpPr>
+        <a:xfrm>
+          <a:off x="0" y="0"/>
+          <a:ext cx="0" cy="0"/>
+          <a:chOff x="0" y="0"/>
+          <a:chExt cx="0" cy="0"/>
+        </a:xfrm>
+      </p:grpSpPr>
+      <p:sp>
+        <p:nvSpPr>
+          <p:cNvPr id="2" name="Título 1">
+            <a:extLst>
+              <a:ext uri="{FF2B5EF4-FFF2-40B4-BE49-F238E27FC236}">
+                <a16:creationId xmlns:a16="http://schemas.microsoft.com/office/drawing/2014/main" id="{6A908DCB-3130-4186-A757-F595D90D9983}"/>
+              </a:ext>
+            </a:extLst>
+          </p:cNvPr>
+          <p:cNvSpPr>
+            <a:spLocks noGrp="1"/>
+          </p:cNvSpPr>
+          <p:nvPr>
+            <p:ph type="title"/>
+          </p:nvPr>
+        </p:nvSpPr>
+        <p:spPr/>
+        <p:txBody>
+          <a:bodyPr/>
+          <a:lstStyle/>
+          <a:p>
+            <a:r>
+              <a:rPr lang="pt-BR" dirty="0"/>
+              <a:t>Mostrar a idade mínima e a idade máxima</a:t>
+            </a:r>
+          </a:p>
+        </p:txBody>
+      </p:sp>
+      <p:sp>
+        <p:nvSpPr>
+          <p:cNvPr id="3" name="Espaço Reservado para Conteúdo 2">
+            <a:extLst>
+              <a:ext uri="{FF2B5EF4-FFF2-40B4-BE49-F238E27FC236}">
+                <a16:creationId xmlns:a16="http://schemas.microsoft.com/office/drawing/2014/main" id="{E8B09727-40D0-4233-A15F-9DCEEF046C4D}"/>
+              </a:ext>
+            </a:extLst>
+          </p:cNvPr>
+          <p:cNvSpPr>
+            <a:spLocks noGrp="1"/>
+          </p:cNvSpPr>
+          <p:nvPr>
+            <p:ph idx="1"/>
+          </p:nvPr>
+        </p:nvSpPr>
+        <p:spPr/>
+        <p:txBody>
+          <a:bodyPr/>
+          <a:lstStyle/>
+          <a:p>
+            <a:r>
+              <a:rPr lang="pt-BR" dirty="0"/>
+              <a:t>Como mostrar a idade mínima e máxima?</a:t>
+            </a:r>
+          </a:p>
+        </p:txBody>
+      </p:sp>
+    </p:spTree>
+    <p:extLst>
+      <p:ext uri="{BB962C8B-B14F-4D97-AF65-F5344CB8AC3E}">
+        <p14:creationId xmlns:p14="http://schemas.microsoft.com/office/powerpoint/2010/main" val="1300345747"/>
+      </p:ext>
+    </p:extLst>
+  </p:cSld>
+  <p:clrMapOvr>
+    <a:masterClrMapping/>
+  </p:clrMapOvr>
+</p:sld>
+</file>
+
+<file path=ppt/slides/slide41.xml><?xml version="1.0" encoding="utf-8"?>
+<p:sld xmlns:a="http://schemas.openxmlformats.org/drawingml/2006/main" xmlns:r="http://schemas.openxmlformats.org/officeDocument/2006/relationships" xmlns:p="http://schemas.openxmlformats.org/presentationml/2006/main">
+  <p:cSld>
+    <p:spTree>
+      <p:nvGrpSpPr>
+        <p:cNvPr id="1" name=""/>
+        <p:cNvGrpSpPr/>
+        <p:nvPr/>
+      </p:nvGrpSpPr>
+      <p:grpSpPr>
+        <a:xfrm>
+          <a:off x="0" y="0"/>
+          <a:ext cx="0" cy="0"/>
+          <a:chOff x="0" y="0"/>
+          <a:chExt cx="0" cy="0"/>
+        </a:xfrm>
+      </p:grpSpPr>
+      <p:sp>
+        <p:nvSpPr>
+          <p:cNvPr id="2" name="Título 1">
+            <a:extLst>
+              <a:ext uri="{FF2B5EF4-FFF2-40B4-BE49-F238E27FC236}">
+                <a16:creationId xmlns:a16="http://schemas.microsoft.com/office/drawing/2014/main" id="{FA9A65A8-23CF-43C0-99BC-8D317C851059}"/>
+              </a:ext>
+            </a:extLst>
+          </p:cNvPr>
+          <p:cNvSpPr>
+            <a:spLocks noGrp="1"/>
+          </p:cNvSpPr>
+          <p:nvPr>
+            <p:ph type="title"/>
+          </p:nvPr>
+        </p:nvSpPr>
+        <p:spPr/>
+        <p:txBody>
+          <a:bodyPr/>
+          <a:lstStyle/>
+          <a:p>
+            <a:r>
+              <a:rPr lang="pt-BR" dirty="0"/>
+              <a:t>Calcular a média dos seguintes campos:</a:t>
+            </a:r>
+          </a:p>
+        </p:txBody>
+      </p:sp>
+      <p:sp>
+        <p:nvSpPr>
+          <p:cNvPr id="3" name="Espaço Reservado para Conteúdo 2">
+            <a:extLst>
+              <a:ext uri="{FF2B5EF4-FFF2-40B4-BE49-F238E27FC236}">
+                <a16:creationId xmlns:a16="http://schemas.microsoft.com/office/drawing/2014/main" id="{B1748A56-9A7B-4B81-818D-65F31A3A9176}"/>
+              </a:ext>
+            </a:extLst>
+          </p:cNvPr>
+          <p:cNvSpPr>
+            <a:spLocks noGrp="1"/>
+          </p:cNvSpPr>
+          <p:nvPr>
+            <p:ph idx="1"/>
+          </p:nvPr>
+        </p:nvSpPr>
+        <p:spPr/>
+        <p:txBody>
+          <a:bodyPr/>
+          <a:lstStyle/>
+          <a:p>
+            <a:endParaRPr lang="pt-BR"/>
+          </a:p>
+        </p:txBody>
+      </p:sp>
+      <p:pic>
+        <p:nvPicPr>
+          <p:cNvPr id="4" name="Imagem 3">
+            <a:extLst>
+              <a:ext uri="{FF2B5EF4-FFF2-40B4-BE49-F238E27FC236}">
+                <a16:creationId xmlns:a16="http://schemas.microsoft.com/office/drawing/2014/main" id="{62D35F05-6696-43C5-89E9-914750E70DBD}"/>
+              </a:ext>
+            </a:extLst>
+          </p:cNvPr>
+          <p:cNvPicPr>
+            <a:picLocks noChangeAspect="1"/>
+          </p:cNvPicPr>
+          <p:nvPr/>
+        </p:nvPicPr>
+        <p:blipFill>
+          <a:blip r:embed="rId2"/>
+          <a:stretch>
+            <a:fillRect/>
+          </a:stretch>
+        </p:blipFill>
+        <p:spPr>
+          <a:xfrm>
+            <a:off x="838200" y="1825625"/>
+            <a:ext cx="8343900" cy="3686175"/>
+          </a:xfrm>
+          <a:prstGeom prst="rect">
+            <a:avLst/>
+          </a:prstGeom>
+        </p:spPr>
+      </p:pic>
+    </p:spTree>
+    <p:extLst>
+      <p:ext uri="{BB962C8B-B14F-4D97-AF65-F5344CB8AC3E}">
+        <p14:creationId xmlns:p14="http://schemas.microsoft.com/office/powerpoint/2010/main" val="1211663920"/>
+      </p:ext>
+    </p:extLst>
+  </p:cSld>
+  <p:clrMapOvr>
+    <a:masterClrMapping/>
+  </p:clrMapOvr>
+</p:sld>
+</file>
+
+<file path=ppt/slides/slide42.xml><?xml version="1.0" encoding="utf-8"?>
+<p:sld xmlns:a="http://schemas.openxmlformats.org/drawingml/2006/main" xmlns:r="http://schemas.openxmlformats.org/officeDocument/2006/relationships" xmlns:p="http://schemas.openxmlformats.org/presentationml/2006/main">
+  <p:cSld>
+    <p:spTree>
+      <p:nvGrpSpPr>
+        <p:cNvPr id="1" name=""/>
+        <p:cNvGrpSpPr/>
+        <p:nvPr/>
+      </p:nvGrpSpPr>
+      <p:grpSpPr>
+        <a:xfrm>
+          <a:off x="0" y="0"/>
+          <a:ext cx="0" cy="0"/>
+          <a:chOff x="0" y="0"/>
+          <a:chExt cx="0" cy="0"/>
+        </a:xfrm>
+      </p:grpSpPr>
+      <p:pic>
+        <p:nvPicPr>
+          <p:cNvPr id="2" name="Imagem 1">
+            <a:extLst>
+              <a:ext uri="{FF2B5EF4-FFF2-40B4-BE49-F238E27FC236}">
+                <a16:creationId xmlns:a16="http://schemas.microsoft.com/office/drawing/2014/main" id="{71F6FA42-E361-46E7-A1E8-3C6B962B6A4C}"/>
+              </a:ext>
+            </a:extLst>
+          </p:cNvPr>
+          <p:cNvPicPr>
+            <a:picLocks noChangeAspect="1"/>
+          </p:cNvPicPr>
+          <p:nvPr/>
+        </p:nvPicPr>
+        <p:blipFill>
+          <a:blip r:embed="rId2"/>
+          <a:stretch>
+            <a:fillRect/>
+          </a:stretch>
+        </p:blipFill>
+        <p:spPr>
+          <a:xfrm>
+            <a:off x="1173684" y="1818313"/>
+            <a:ext cx="10009266" cy="3221373"/>
+          </a:xfrm>
+          <a:prstGeom prst="rect">
+            <a:avLst/>
+          </a:prstGeom>
+        </p:spPr>
+      </p:pic>
+    </p:spTree>
+    <p:extLst>
+      <p:ext uri="{BB962C8B-B14F-4D97-AF65-F5344CB8AC3E}">
+        <p14:creationId xmlns:p14="http://schemas.microsoft.com/office/powerpoint/2010/main" val="84228637"/>
+      </p:ext>
+    </p:extLst>
+  </p:cSld>
+  <p:clrMapOvr>
+    <a:masterClrMapping/>
+  </p:clrMapOvr>
+</p:sld>
+</file>
+
+<file path=ppt/slides/slide43.xml><?xml version="1.0" encoding="utf-8"?>
+<p:sld xmlns:a="http://schemas.openxmlformats.org/drawingml/2006/main" xmlns:r="http://schemas.openxmlformats.org/officeDocument/2006/relationships" xmlns:p="http://schemas.openxmlformats.org/presentationml/2006/main">
+  <p:cSld>
+    <p:spTree>
+      <p:nvGrpSpPr>
+        <p:cNvPr id="1" name=""/>
+        <p:cNvGrpSpPr/>
+        <p:nvPr/>
+      </p:nvGrpSpPr>
+      <p:grpSpPr>
+        <a:xfrm>
+          <a:off x="0" y="0"/>
+          <a:ext cx="0" cy="0"/>
+          <a:chOff x="0" y="0"/>
+          <a:chExt cx="0" cy="0"/>
+        </a:xfrm>
+      </p:grpSpPr>
+      <p:pic>
+        <p:nvPicPr>
+          <p:cNvPr id="2" name="Imagem 1">
+            <a:extLst>
+              <a:ext uri="{FF2B5EF4-FFF2-40B4-BE49-F238E27FC236}">
+                <a16:creationId xmlns:a16="http://schemas.microsoft.com/office/drawing/2014/main" id="{F29C2533-91CB-44D2-947C-73AA169DB92C}"/>
+              </a:ext>
+            </a:extLst>
+          </p:cNvPr>
+          <p:cNvPicPr>
+            <a:picLocks noChangeAspect="1"/>
+          </p:cNvPicPr>
+          <p:nvPr/>
+        </p:nvPicPr>
+        <p:blipFill>
+          <a:blip r:embed="rId2"/>
+          <a:stretch>
+            <a:fillRect/>
+          </a:stretch>
+        </p:blipFill>
+        <p:spPr>
+          <a:xfrm>
+            <a:off x="476941" y="1879134"/>
+            <a:ext cx="11253332" cy="3103927"/>
+          </a:xfrm>
+          <a:prstGeom prst="rect">
+            <a:avLst/>
+          </a:prstGeom>
+        </p:spPr>
+      </p:pic>
+    </p:spTree>
+    <p:extLst>
+      <p:ext uri="{BB962C8B-B14F-4D97-AF65-F5344CB8AC3E}">
+        <p14:creationId xmlns:p14="http://schemas.microsoft.com/office/powerpoint/2010/main" val="3754735801"/>
+      </p:ext>
+    </p:extLst>
+  </p:cSld>
+  <p:clrMapOvr>
+    <a:masterClrMapping/>
+  </p:clrMapOvr>
+</p:sld>
+</file>
+
+<file path=ppt/slides/slide44.xml><?xml version="1.0" encoding="utf-8"?>
+<p:sld xmlns:a="http://schemas.openxmlformats.org/drawingml/2006/main" xmlns:r="http://schemas.openxmlformats.org/officeDocument/2006/relationships" xmlns:p="http://schemas.openxmlformats.org/presentationml/2006/main">
+  <p:cSld>
+    <p:spTree>
+      <p:nvGrpSpPr>
+        <p:cNvPr id="1" name=""/>
+        <p:cNvGrpSpPr/>
+        <p:nvPr/>
+      </p:nvGrpSpPr>
+      <p:grpSpPr>
+        <a:xfrm>
+          <a:off x="0" y="0"/>
+          <a:ext cx="0" cy="0"/>
+          <a:chOff x="0" y="0"/>
+          <a:chExt cx="0" cy="0"/>
+        </a:xfrm>
+      </p:grpSpPr>
+      <p:pic>
+        <p:nvPicPr>
+          <p:cNvPr id="2" name="Imagem 1">
+            <a:extLst>
+              <a:ext uri="{FF2B5EF4-FFF2-40B4-BE49-F238E27FC236}">
+                <a16:creationId xmlns:a16="http://schemas.microsoft.com/office/drawing/2014/main" id="{E0701D86-1035-410C-8467-4589A9D938DD}"/>
+              </a:ext>
+            </a:extLst>
+          </p:cNvPr>
+          <p:cNvPicPr>
+            <a:picLocks noChangeAspect="1"/>
+          </p:cNvPicPr>
+          <p:nvPr/>
+        </p:nvPicPr>
+        <p:blipFill>
+          <a:blip r:embed="rId2"/>
+          <a:stretch>
+            <a:fillRect/>
+          </a:stretch>
+        </p:blipFill>
+        <p:spPr>
+          <a:xfrm>
+            <a:off x="628962" y="1837189"/>
+            <a:ext cx="10701182" cy="2994870"/>
+          </a:xfrm>
+          <a:prstGeom prst="rect">
+            <a:avLst/>
+          </a:prstGeom>
+        </p:spPr>
+      </p:pic>
+    </p:spTree>
+    <p:extLst>
+      <p:ext uri="{BB962C8B-B14F-4D97-AF65-F5344CB8AC3E}">
+        <p14:creationId xmlns:p14="http://schemas.microsoft.com/office/powerpoint/2010/main" val="1976807247"/>
+      </p:ext>
+    </p:extLst>
+  </p:cSld>
+  <p:clrMapOvr>
+    <a:masterClrMapping/>
+  </p:clrMapOvr>
+</p:sld>
+</file>
+
+<file path=ppt/slides/slide45.xml><?xml version="1.0" encoding="utf-8"?>
+<p:sld xmlns:a="http://schemas.openxmlformats.org/drawingml/2006/main" xmlns:r="http://schemas.openxmlformats.org/officeDocument/2006/relationships" xmlns:p="http://schemas.openxmlformats.org/presentationml/2006/main">
+  <p:cSld>
+    <p:spTree>
+      <p:nvGrpSpPr>
+        <p:cNvPr id="1" name=""/>
+        <p:cNvGrpSpPr/>
+        <p:nvPr/>
+      </p:nvGrpSpPr>
+      <p:grpSpPr>
+        <a:xfrm>
+          <a:off x="0" y="0"/>
+          <a:ext cx="0" cy="0"/>
+          <a:chOff x="0" y="0"/>
+          <a:chExt cx="0" cy="0"/>
+        </a:xfrm>
+      </p:grpSpPr>
+      <p:pic>
+        <p:nvPicPr>
+          <p:cNvPr id="2" name="Imagem 1">
+            <a:extLst>
+              <a:ext uri="{FF2B5EF4-FFF2-40B4-BE49-F238E27FC236}">
+                <a16:creationId xmlns:a16="http://schemas.microsoft.com/office/drawing/2014/main" id="{F045FB4E-F021-4C71-9280-D143EA1FB597}"/>
+              </a:ext>
+            </a:extLst>
+          </p:cNvPr>
+          <p:cNvPicPr>
+            <a:picLocks noChangeAspect="1"/>
+          </p:cNvPicPr>
+          <p:nvPr/>
+        </p:nvPicPr>
+        <p:blipFill>
+          <a:blip r:embed="rId2"/>
+          <a:stretch>
+            <a:fillRect/>
+          </a:stretch>
+        </p:blipFill>
+        <p:spPr>
+          <a:xfrm>
+            <a:off x="2790956" y="1435260"/>
+            <a:ext cx="5553075" cy="866775"/>
+          </a:xfrm>
+          <a:prstGeom prst="rect">
+            <a:avLst/>
+          </a:prstGeom>
+        </p:spPr>
+      </p:pic>
+    </p:spTree>
+    <p:extLst>
+      <p:ext uri="{BB962C8B-B14F-4D97-AF65-F5344CB8AC3E}">
+        <p14:creationId xmlns:p14="http://schemas.microsoft.com/office/powerpoint/2010/main" val="2506098354"/>
+      </p:ext>
+    </p:extLst>
+  </p:cSld>
+  <p:clrMapOvr>
+    <a:masterClrMapping/>
+  </p:clrMapOvr>
+</p:sld>
+</file>
+
+<file path=ppt/slides/slide46.xml><?xml version="1.0" encoding="utf-8"?>
+<p:sld xmlns:a="http://schemas.openxmlformats.org/drawingml/2006/main" xmlns:r="http://schemas.openxmlformats.org/officeDocument/2006/relationships" xmlns:p="http://schemas.openxmlformats.org/presentationml/2006/main">
+  <p:cSld>
+    <p:spTree>
+      <p:nvGrpSpPr>
+        <p:cNvPr id="1" name=""/>
+        <p:cNvGrpSpPr/>
+        <p:nvPr/>
+      </p:nvGrpSpPr>
+      <p:grpSpPr>
+        <a:xfrm>
+          <a:off x="0" y="0"/>
+          <a:ext cx="0" cy="0"/>
+          <a:chOff x="0" y="0"/>
+          <a:chExt cx="0" cy="0"/>
+        </a:xfrm>
+      </p:grpSpPr>
+      <p:pic>
+        <p:nvPicPr>
+          <p:cNvPr id="2" name="Imagem 1">
+            <a:extLst>
+              <a:ext uri="{FF2B5EF4-FFF2-40B4-BE49-F238E27FC236}">
+                <a16:creationId xmlns:a16="http://schemas.microsoft.com/office/drawing/2014/main" id="{68C0E45A-9EDC-4944-863A-2E4D14557A64}"/>
+              </a:ext>
+            </a:extLst>
+          </p:cNvPr>
+          <p:cNvPicPr>
+            <a:picLocks noChangeAspect="1"/>
+          </p:cNvPicPr>
+          <p:nvPr/>
+        </p:nvPicPr>
+        <p:blipFill>
+          <a:blip r:embed="rId2"/>
+          <a:stretch>
+            <a:fillRect/>
+          </a:stretch>
+        </p:blipFill>
+        <p:spPr>
+          <a:xfrm>
+            <a:off x="0" y="2528550"/>
+            <a:ext cx="12192000" cy="1800899"/>
+          </a:xfrm>
+          <a:prstGeom prst="rect">
+            <a:avLst/>
+          </a:prstGeom>
+        </p:spPr>
+      </p:pic>
+    </p:spTree>
+    <p:extLst>
+      <p:ext uri="{BB962C8B-B14F-4D97-AF65-F5344CB8AC3E}">
+        <p14:creationId xmlns:p14="http://schemas.microsoft.com/office/powerpoint/2010/main" val="4122265064"/>
+      </p:ext>
+    </p:extLst>
+  </p:cSld>
+  <p:clrMapOvr>
+    <a:masterClrMapping/>
+  </p:clrMapOvr>
+</p:sld>
+</file>
+
+<file path=ppt/slides/slide47.xml><?xml version="1.0" encoding="utf-8"?>
+<p:sld xmlns:a="http://schemas.openxmlformats.org/drawingml/2006/main" xmlns:r="http://schemas.openxmlformats.org/officeDocument/2006/relationships" xmlns:p="http://schemas.openxmlformats.org/presentationml/2006/main">
+  <p:cSld>
+    <p:spTree>
+      <p:nvGrpSpPr>
+        <p:cNvPr id="1" name=""/>
+        <p:cNvGrpSpPr/>
+        <p:nvPr/>
+      </p:nvGrpSpPr>
+      <p:grpSpPr>
+        <a:xfrm>
+          <a:off x="0" y="0"/>
+          <a:ext cx="0" cy="0"/>
+          <a:chOff x="0" y="0"/>
+          <a:chExt cx="0" cy="0"/>
+        </a:xfrm>
+      </p:grpSpPr>
+      <p:sp>
+        <p:nvSpPr>
+          <p:cNvPr id="2" name="Título 1">
+            <a:extLst>
+              <a:ext uri="{FF2B5EF4-FFF2-40B4-BE49-F238E27FC236}">
                 <a16:creationId xmlns:a16="http://schemas.microsoft.com/office/drawing/2014/main" id="{74741B5E-E31F-4D30-B923-8CD448C8F499}"/>
               </a:ext>
             </a:extLst>
@@ -6605,7 +7864,7 @@
 </p:sld>
 </file>
 
-<file path=ppt/slides/slide38.xml><?xml version="1.0" encoding="utf-8"?>
+<file path=ppt/slides/slide48.xml><?xml version="1.0" encoding="utf-8"?>
 <p:sld xmlns:a="http://schemas.openxmlformats.org/drawingml/2006/main" xmlns:r="http://schemas.openxmlformats.org/officeDocument/2006/relationships" xmlns:p="http://schemas.openxmlformats.org/presentationml/2006/main">
   <p:cSld>
     <p:spTree>
@@ -6665,7 +7924,7 @@
 </p:sld>
 </file>
 
-<file path=ppt/slides/slide39.xml><?xml version="1.0" encoding="utf-8"?>
+<file path=ppt/slides/slide49.xml><?xml version="1.0" encoding="utf-8"?>
 <p:sld xmlns:a="http://schemas.openxmlformats.org/drawingml/2006/main" xmlns:r="http://schemas.openxmlformats.org/officeDocument/2006/relationships" xmlns:p="http://schemas.openxmlformats.org/presentationml/2006/main">
   <p:cSld>
     <p:spTree>
@@ -6725,7 +7984,7 @@
 </p:sld>
 </file>
 
-<file path=ppt/slides/slide4.xml><?xml version="1.0" encoding="utf-8"?>
+<file path=ppt/slides/slide5.xml><?xml version="1.0" encoding="utf-8"?>
 <p:sld xmlns:a="http://schemas.openxmlformats.org/drawingml/2006/main" xmlns:r="http://schemas.openxmlformats.org/officeDocument/2006/relationships" xmlns:p="http://schemas.openxmlformats.org/presentationml/2006/main">
   <p:cSld>
     <p:spTree>
@@ -6747,7 +8006,7 @@
           <p:cNvPr id="2" name="Imagem 1">
             <a:extLst>
               <a:ext uri="{FF2B5EF4-FFF2-40B4-BE49-F238E27FC236}">
-                <a16:creationId xmlns:a16="http://schemas.microsoft.com/office/drawing/2014/main" id="{B67A24F1-C654-4310-964A-AF8B9FBDC9CF}"/>
+                <a16:creationId xmlns:a16="http://schemas.microsoft.com/office/drawing/2014/main" id="{D0786598-E953-4B0D-AD6C-900497E0197C}"/>
               </a:ext>
             </a:extLst>
           </p:cNvPr>
@@ -6764,475 +8023,18 @@
         </p:blipFill>
         <p:spPr>
           <a:xfrm>
-            <a:off x="261257" y="2641600"/>
-            <a:ext cx="5261934" cy="1901371"/>
+            <a:off x="5134063" y="1687703"/>
+            <a:ext cx="1600768" cy="1940754"/>
           </a:xfrm>
           <a:prstGeom prst="rect">
             <a:avLst/>
           </a:prstGeom>
         </p:spPr>
       </p:pic>
-      <p:sp>
-        <p:nvSpPr>
-          <p:cNvPr id="3" name="CaixaDeTexto 2">
-            <a:extLst>
-              <a:ext uri="{FF2B5EF4-FFF2-40B4-BE49-F238E27FC236}">
-                <a16:creationId xmlns:a16="http://schemas.microsoft.com/office/drawing/2014/main" id="{9FBF6DF3-2C92-49B4-A147-BDDA6120964A}"/>
-              </a:ext>
-            </a:extLst>
-          </p:cNvPr>
-          <p:cNvSpPr txBox="1"/>
-          <p:nvPr/>
-        </p:nvSpPr>
-        <p:spPr>
-          <a:xfrm>
-            <a:off x="8700811" y="782121"/>
-            <a:ext cx="2104571" cy="5293757"/>
-          </a:xfrm>
-          <a:prstGeom prst="rect">
-            <a:avLst/>
-          </a:prstGeom>
-        </p:spPr>
-        <p:style>
-          <a:lnRef idx="2">
-            <a:schemeClr val="dk1"/>
-          </a:lnRef>
-          <a:fillRef idx="1">
-            <a:schemeClr val="lt1"/>
-          </a:fillRef>
-          <a:effectRef idx="0">
-            <a:schemeClr val="dk1"/>
-          </a:effectRef>
-          <a:fontRef idx="minor">
-            <a:schemeClr val="dk1"/>
-          </a:fontRef>
-        </p:style>
-        <p:txBody>
-          <a:bodyPr wrap="square" rtlCol="0">
-            <a:spAutoFit/>
-          </a:bodyPr>
-          <a:lstStyle/>
-          <a:p>
-            <a:pPr marL="342900" indent="-342900">
-              <a:buFont typeface="+mj-lt"/>
-              <a:buAutoNum type="arabicPeriod"/>
-            </a:pPr>
-            <a:r>
-              <a:rPr lang="pt-BR" sz="2800" b="1" dirty="0" err="1">
-                <a:highlight>
-                  <a:srgbClr val="FFFF00"/>
-                </a:highlight>
-              </a:rPr>
-              <a:t>git</a:t>
-            </a:r>
-            <a:r>
-              <a:rPr lang="pt-BR" sz="2800" b="1" dirty="0">
-                <a:highlight>
-                  <a:srgbClr val="FFFF00"/>
-                </a:highlight>
-              </a:rPr>
-              <a:t> </a:t>
-            </a:r>
-            <a:r>
-              <a:rPr lang="pt-BR" sz="2800" b="1" dirty="0" err="1">
-                <a:highlight>
-                  <a:srgbClr val="FFFF00"/>
-                </a:highlight>
-              </a:rPr>
-              <a:t>init</a:t>
-            </a:r>
-            <a:endParaRPr lang="pt-BR" sz="2800" b="1" dirty="0">
-              <a:highlight>
-                <a:srgbClr val="FFFF00"/>
-              </a:highlight>
-            </a:endParaRPr>
-          </a:p>
-          <a:p>
-            <a:pPr marL="342900" indent="-342900">
-              <a:buFont typeface="+mj-lt"/>
-              <a:buAutoNum type="arabicPeriod"/>
-            </a:pPr>
-            <a:r>
-              <a:rPr lang="pt-BR" sz="2800" b="1" dirty="0" err="1">
-                <a:highlight>
-                  <a:srgbClr val="FFFF00"/>
-                </a:highlight>
-              </a:rPr>
-              <a:t>git</a:t>
-            </a:r>
-            <a:r>
-              <a:rPr lang="pt-BR" sz="2800" b="1" dirty="0">
-                <a:highlight>
-                  <a:srgbClr val="FFFF00"/>
-                </a:highlight>
-              </a:rPr>
-              <a:t> </a:t>
-            </a:r>
-            <a:r>
-              <a:rPr lang="pt-BR" sz="2800" b="1" dirty="0" err="1">
-                <a:highlight>
-                  <a:srgbClr val="FFFF00"/>
-                </a:highlight>
-              </a:rPr>
-              <a:t>add</a:t>
-            </a:r>
-            <a:endParaRPr lang="pt-BR" sz="2800" b="1" dirty="0">
-              <a:highlight>
-                <a:srgbClr val="FFFF00"/>
-              </a:highlight>
-            </a:endParaRPr>
-          </a:p>
-          <a:p>
-            <a:pPr marL="342900" indent="-342900">
-              <a:buFont typeface="+mj-lt"/>
-              <a:buAutoNum type="arabicPeriod"/>
-            </a:pPr>
-            <a:r>
-              <a:rPr lang="pt-BR" sz="2800" b="1" dirty="0" err="1">
-                <a:highlight>
-                  <a:srgbClr val="FFFF00"/>
-                </a:highlight>
-              </a:rPr>
-              <a:t>git</a:t>
-            </a:r>
-            <a:r>
-              <a:rPr lang="pt-BR" sz="2800" b="1" dirty="0">
-                <a:highlight>
-                  <a:srgbClr val="FFFF00"/>
-                </a:highlight>
-              </a:rPr>
-              <a:t> </a:t>
-            </a:r>
-            <a:r>
-              <a:rPr lang="pt-BR" sz="2800" b="1" dirty="0" err="1">
-                <a:highlight>
-                  <a:srgbClr val="FFFF00"/>
-                </a:highlight>
-              </a:rPr>
-              <a:t>commit</a:t>
-            </a:r>
-            <a:endParaRPr lang="pt-BR" sz="2800" b="1" dirty="0">
-              <a:highlight>
-                <a:srgbClr val="FFFF00"/>
-              </a:highlight>
-            </a:endParaRPr>
-          </a:p>
-          <a:p>
-            <a:pPr marL="342900" indent="-342900">
-              <a:buFont typeface="+mj-lt"/>
-              <a:buAutoNum type="arabicPeriod"/>
-            </a:pPr>
-            <a:r>
-              <a:rPr lang="pt-BR" sz="2400" dirty="0" err="1">
-                <a:highlight>
-                  <a:srgbClr val="C0C0C0"/>
-                </a:highlight>
-              </a:rPr>
-              <a:t>Git</a:t>
-            </a:r>
-            <a:r>
-              <a:rPr lang="pt-BR" sz="2400" dirty="0">
-                <a:highlight>
-                  <a:srgbClr val="C0C0C0"/>
-                </a:highlight>
-              </a:rPr>
-              <a:t> status</a:t>
-            </a:r>
-          </a:p>
-          <a:p>
-            <a:pPr marL="342900" indent="-342900">
-              <a:buFont typeface="+mj-lt"/>
-              <a:buAutoNum type="arabicPeriod"/>
-            </a:pPr>
-            <a:r>
-              <a:rPr lang="pt-BR" sz="2400" dirty="0" err="1">
-                <a:highlight>
-                  <a:srgbClr val="C0C0C0"/>
-                </a:highlight>
-              </a:rPr>
-              <a:t>Git</a:t>
-            </a:r>
-            <a:r>
-              <a:rPr lang="pt-BR" sz="2400" dirty="0">
-                <a:highlight>
-                  <a:srgbClr val="C0C0C0"/>
-                </a:highlight>
-              </a:rPr>
-              <a:t> log</a:t>
-            </a:r>
-          </a:p>
-          <a:p>
-            <a:pPr marL="342900" indent="-342900">
-              <a:buFont typeface="+mj-lt"/>
-              <a:buAutoNum type="arabicPeriod"/>
-            </a:pPr>
-            <a:r>
-              <a:rPr lang="pt-BR" sz="2400" dirty="0" err="1">
-                <a:highlight>
-                  <a:srgbClr val="C0C0C0"/>
-                </a:highlight>
-              </a:rPr>
-              <a:t>Git</a:t>
-            </a:r>
-            <a:r>
-              <a:rPr lang="pt-BR" sz="2400" dirty="0">
-                <a:highlight>
-                  <a:srgbClr val="C0C0C0"/>
-                </a:highlight>
-              </a:rPr>
-              <a:t> log –</a:t>
-            </a:r>
-            <a:r>
-              <a:rPr lang="pt-BR" sz="2400" dirty="0" err="1">
-                <a:highlight>
-                  <a:srgbClr val="C0C0C0"/>
-                </a:highlight>
-              </a:rPr>
-              <a:t>oneline</a:t>
-            </a:r>
-            <a:endParaRPr lang="pt-BR" sz="2400" dirty="0">
-              <a:highlight>
-                <a:srgbClr val="C0C0C0"/>
-              </a:highlight>
-            </a:endParaRPr>
-          </a:p>
-          <a:p>
-            <a:pPr marL="342900" indent="-342900">
-              <a:buFont typeface="+mj-lt"/>
-              <a:buAutoNum type="arabicPeriod"/>
-            </a:pPr>
-            <a:r>
-              <a:rPr lang="pt-BR" sz="2800" dirty="0" err="1">
-                <a:highlight>
-                  <a:srgbClr val="FFFF00"/>
-                </a:highlight>
-              </a:rPr>
-              <a:t>git</a:t>
-            </a:r>
-            <a:r>
-              <a:rPr lang="pt-BR" sz="2800" dirty="0">
-                <a:highlight>
-                  <a:srgbClr val="FFFF00"/>
-                </a:highlight>
-              </a:rPr>
-              <a:t> </a:t>
-            </a:r>
-            <a:r>
-              <a:rPr lang="pt-BR" sz="2800" dirty="0" err="1">
-                <a:highlight>
-                  <a:srgbClr val="FFFF00"/>
-                </a:highlight>
-              </a:rPr>
-              <a:t>remote</a:t>
-            </a:r>
-            <a:r>
-              <a:rPr lang="pt-BR" sz="2800" dirty="0">
-                <a:highlight>
-                  <a:srgbClr val="FFFF00"/>
-                </a:highlight>
-              </a:rPr>
-              <a:t> </a:t>
-            </a:r>
-            <a:r>
-              <a:rPr lang="pt-BR" sz="2800" dirty="0" err="1">
-                <a:highlight>
-                  <a:srgbClr val="FFFF00"/>
-                </a:highlight>
-              </a:rPr>
-              <a:t>add</a:t>
-            </a:r>
-            <a:endParaRPr lang="pt-BR" sz="2800" dirty="0">
-              <a:highlight>
-                <a:srgbClr val="FFFF00"/>
-              </a:highlight>
-            </a:endParaRPr>
-          </a:p>
-          <a:p>
-            <a:pPr marL="342900" indent="-342900">
-              <a:buFont typeface="+mj-lt"/>
-              <a:buAutoNum type="arabicPeriod"/>
-            </a:pPr>
-            <a:r>
-              <a:rPr lang="pt-BR" sz="2800" dirty="0" err="1">
-                <a:highlight>
-                  <a:srgbClr val="FFFF00"/>
-                </a:highlight>
-              </a:rPr>
-              <a:t>git</a:t>
-            </a:r>
-            <a:r>
-              <a:rPr lang="pt-BR" sz="2800" dirty="0">
-                <a:highlight>
-                  <a:srgbClr val="FFFF00"/>
-                </a:highlight>
-              </a:rPr>
-              <a:t> </a:t>
-            </a:r>
-            <a:r>
-              <a:rPr lang="pt-BR" sz="2800" dirty="0" err="1">
-                <a:highlight>
-                  <a:srgbClr val="FFFF00"/>
-                </a:highlight>
-              </a:rPr>
-              <a:t>remote</a:t>
-            </a:r>
-            <a:endParaRPr lang="pt-BR" sz="2800" dirty="0">
-              <a:highlight>
-                <a:srgbClr val="FFFF00"/>
-              </a:highlight>
-            </a:endParaRPr>
-          </a:p>
-          <a:p>
-            <a:pPr marL="342900" indent="-342900">
-              <a:buFont typeface="+mj-lt"/>
-              <a:buAutoNum type="arabicPeriod"/>
-            </a:pPr>
-            <a:r>
-              <a:rPr lang="pt-BR" sz="2800" dirty="0" err="1">
-                <a:highlight>
-                  <a:srgbClr val="FFFF00"/>
-                </a:highlight>
-              </a:rPr>
-              <a:t>git</a:t>
-            </a:r>
-            <a:r>
-              <a:rPr lang="pt-BR" sz="2800" dirty="0">
-                <a:highlight>
-                  <a:srgbClr val="FFFF00"/>
-                </a:highlight>
-              </a:rPr>
-              <a:t> </a:t>
-            </a:r>
-            <a:r>
-              <a:rPr lang="pt-BR" sz="2800" dirty="0" err="1">
-                <a:highlight>
-                  <a:srgbClr val="FFFF00"/>
-                </a:highlight>
-              </a:rPr>
-              <a:t>push</a:t>
-            </a:r>
-            <a:endParaRPr lang="pt-BR" sz="2800" dirty="0">
-              <a:highlight>
-                <a:srgbClr val="FFFF00"/>
-              </a:highlight>
-            </a:endParaRPr>
-          </a:p>
-          <a:p>
-            <a:pPr marL="342900" indent="-342900">
-              <a:buFont typeface="+mj-lt"/>
-              <a:buAutoNum type="arabicPeriod"/>
-            </a:pPr>
-            <a:endParaRPr lang="pt-BR" dirty="0"/>
-          </a:p>
-        </p:txBody>
-      </p:sp>
-      <p:cxnSp>
-        <p:nvCxnSpPr>
-          <p:cNvPr id="5" name="Conector de Seta Reta 4">
-            <a:extLst>
-              <a:ext uri="{FF2B5EF4-FFF2-40B4-BE49-F238E27FC236}">
-                <a16:creationId xmlns:a16="http://schemas.microsoft.com/office/drawing/2014/main" id="{4B4ED39D-6E03-4F59-B0EB-1E69735248AC}"/>
-              </a:ext>
-            </a:extLst>
-          </p:cNvPr>
-          <p:cNvCxnSpPr/>
-          <p:nvPr/>
-        </p:nvCxnSpPr>
-        <p:spPr>
-          <a:xfrm>
-            <a:off x="5863771" y="3280229"/>
-            <a:ext cx="2104572" cy="0"/>
-          </a:xfrm>
-          <a:prstGeom prst="straightConnector1">
-            <a:avLst/>
-          </a:prstGeom>
-          <a:ln w="76200">
-            <a:tailEnd type="triangle"/>
-          </a:ln>
-        </p:spPr>
-        <p:style>
-          <a:lnRef idx="1">
-            <a:schemeClr val="accent1"/>
-          </a:lnRef>
-          <a:fillRef idx="0">
-            <a:schemeClr val="accent1"/>
-          </a:fillRef>
-          <a:effectRef idx="0">
-            <a:schemeClr val="accent1"/>
-          </a:effectRef>
-          <a:fontRef idx="minor">
-            <a:schemeClr val="tx1"/>
-          </a:fontRef>
-        </p:style>
-      </p:cxnSp>
-      <p:sp>
-        <p:nvSpPr>
-          <p:cNvPr id="6" name="CaixaDeTexto 5">
-            <a:extLst>
-              <a:ext uri="{FF2B5EF4-FFF2-40B4-BE49-F238E27FC236}">
-                <a16:creationId xmlns:a16="http://schemas.microsoft.com/office/drawing/2014/main" id="{C63D7C4D-50F1-472A-852F-51FB47D34371}"/>
-              </a:ext>
-            </a:extLst>
-          </p:cNvPr>
-          <p:cNvSpPr txBox="1"/>
-          <p:nvPr/>
-        </p:nvSpPr>
-        <p:spPr>
-          <a:xfrm>
-            <a:off x="880802" y="782121"/>
-            <a:ext cx="6055504" cy="1477328"/>
-          </a:xfrm>
-          <a:prstGeom prst="rect">
-            <a:avLst/>
-          </a:prstGeom>
-          <a:noFill/>
-        </p:spPr>
-        <p:txBody>
-          <a:bodyPr wrap="none" rtlCol="0">
-            <a:spAutoFit/>
-          </a:bodyPr>
-          <a:lstStyle/>
-          <a:p>
-            <a:r>
-              <a:rPr lang="pt-BR" b="1" dirty="0"/>
-              <a:t>9 pontos</a:t>
-            </a:r>
-          </a:p>
-          <a:p>
-            <a:r>
-              <a:rPr lang="pt-BR" b="1" dirty="0"/>
-              <a:t>Documentar no GitHub</a:t>
-            </a:r>
-          </a:p>
-          <a:p>
-            <a:r>
-              <a:rPr lang="pt-BR" b="1" dirty="0"/>
-              <a:t>-</a:t>
-            </a:r>
-            <a:r>
-              <a:rPr lang="pt-BR" b="1" dirty="0" err="1"/>
-              <a:t>Markdown</a:t>
-            </a:r>
-            <a:r>
-              <a:rPr lang="pt-BR" b="1" dirty="0"/>
-              <a:t> ou HTML (documentar para o visitante) -3 pontos</a:t>
-            </a:r>
-          </a:p>
-          <a:p>
-            <a:endParaRPr lang="pt-BR" b="1" dirty="0"/>
-          </a:p>
-          <a:p>
-            <a:r>
-              <a:rPr lang="pt-BR" b="1" dirty="0"/>
-              <a:t>Java Básico – Fórmulas Estatísticas – 3 pontos.</a:t>
-            </a:r>
-          </a:p>
-        </p:txBody>
-      </p:sp>
     </p:spTree>
     <p:extLst>
       <p:ext uri="{BB962C8B-B14F-4D97-AF65-F5344CB8AC3E}">
-        <p14:creationId xmlns:p14="http://schemas.microsoft.com/office/powerpoint/2010/main" val="3176148533"/>
+        <p14:creationId xmlns:p14="http://schemas.microsoft.com/office/powerpoint/2010/main" val="864835956"/>
       </p:ext>
     </p:extLst>
   </p:cSld>
@@ -7242,7 +8044,7 @@
 </p:sld>
 </file>
 
-<file path=ppt/slides/slide40.xml><?xml version="1.0" encoding="utf-8"?>
+<file path=ppt/slides/slide50.xml><?xml version="1.0" encoding="utf-8"?>
 <p:sld xmlns:a="http://schemas.openxmlformats.org/drawingml/2006/main" xmlns:r="http://schemas.openxmlformats.org/officeDocument/2006/relationships" xmlns:p="http://schemas.openxmlformats.org/presentationml/2006/main">
   <p:cSld>
     <p:spTree>
@@ -7293,66 +8095,6 @@
     <p:extLst>
       <p:ext uri="{BB962C8B-B14F-4D97-AF65-F5344CB8AC3E}">
         <p14:creationId xmlns:p14="http://schemas.microsoft.com/office/powerpoint/2010/main" val="3948534472"/>
-      </p:ext>
-    </p:extLst>
-  </p:cSld>
-  <p:clrMapOvr>
-    <a:masterClrMapping/>
-  </p:clrMapOvr>
-</p:sld>
-</file>
-
-<file path=ppt/slides/slide5.xml><?xml version="1.0" encoding="utf-8"?>
-<p:sld xmlns:a="http://schemas.openxmlformats.org/drawingml/2006/main" xmlns:r="http://schemas.openxmlformats.org/officeDocument/2006/relationships" xmlns:p="http://schemas.openxmlformats.org/presentationml/2006/main">
-  <p:cSld>
-    <p:spTree>
-      <p:nvGrpSpPr>
-        <p:cNvPr id="1" name=""/>
-        <p:cNvGrpSpPr/>
-        <p:nvPr/>
-      </p:nvGrpSpPr>
-      <p:grpSpPr>
-        <a:xfrm>
-          <a:off x="0" y="0"/>
-          <a:ext cx="0" cy="0"/>
-          <a:chOff x="0" y="0"/>
-          <a:chExt cx="0" cy="0"/>
-        </a:xfrm>
-      </p:grpSpPr>
-      <p:pic>
-        <p:nvPicPr>
-          <p:cNvPr id="2" name="Imagem 1">
-            <a:extLst>
-              <a:ext uri="{FF2B5EF4-FFF2-40B4-BE49-F238E27FC236}">
-                <a16:creationId xmlns:a16="http://schemas.microsoft.com/office/drawing/2014/main" id="{D0786598-E953-4B0D-AD6C-900497E0197C}"/>
-              </a:ext>
-            </a:extLst>
-          </p:cNvPr>
-          <p:cNvPicPr>
-            <a:picLocks noChangeAspect="1"/>
-          </p:cNvPicPr>
-          <p:nvPr/>
-        </p:nvPicPr>
-        <p:blipFill>
-          <a:blip r:embed="rId2"/>
-          <a:stretch>
-            <a:fillRect/>
-          </a:stretch>
-        </p:blipFill>
-        <p:spPr>
-          <a:xfrm>
-            <a:off x="5134063" y="1687703"/>
-            <a:ext cx="1600768" cy="1940754"/>
-          </a:xfrm>
-          <a:prstGeom prst="rect">
-            <a:avLst/>
-          </a:prstGeom>
-        </p:spPr>
-      </p:pic>
-    </p:spTree>
-    <p:extLst>
-      <p:ext uri="{BB962C8B-B14F-4D97-AF65-F5344CB8AC3E}">
-        <p14:creationId xmlns:p14="http://schemas.microsoft.com/office/powerpoint/2010/main" val="864835956"/>
       </p:ext>
     </p:extLst>
   </p:cSld>

--- a/Git e GitHub.pptx
+++ b/Git e GitHub.pptx
@@ -51,10 +51,25 @@
     <p:sldId id="339" r:id="rId45"/>
     <p:sldId id="337" r:id="rId46"/>
     <p:sldId id="334" r:id="rId47"/>
-    <p:sldId id="284" r:id="rId48"/>
-    <p:sldId id="285" r:id="rId49"/>
-    <p:sldId id="286" r:id="rId50"/>
-    <p:sldId id="287" r:id="rId51"/>
+    <p:sldId id="340" r:id="rId48"/>
+    <p:sldId id="343" r:id="rId49"/>
+    <p:sldId id="341" r:id="rId50"/>
+    <p:sldId id="342" r:id="rId51"/>
+    <p:sldId id="344" r:id="rId52"/>
+    <p:sldId id="345" r:id="rId53"/>
+    <p:sldId id="346" r:id="rId54"/>
+    <p:sldId id="347" r:id="rId55"/>
+    <p:sldId id="348" r:id="rId56"/>
+    <p:sldId id="349" r:id="rId57"/>
+    <p:sldId id="350" r:id="rId58"/>
+    <p:sldId id="351" r:id="rId59"/>
+    <p:sldId id="352" r:id="rId60"/>
+    <p:sldId id="353" r:id="rId61"/>
+    <p:sldId id="354" r:id="rId62"/>
+    <p:sldId id="284" r:id="rId63"/>
+    <p:sldId id="285" r:id="rId64"/>
+    <p:sldId id="286" r:id="rId65"/>
+    <p:sldId id="287" r:id="rId66"/>
   </p:sldIdLst>
   <p:sldSz cx="12192000" cy="6858000"/>
   <p:notesSz cx="6858000" cy="9144000"/>
@@ -308,7 +323,7 @@
           <a:p>
             <a:fld id="{4C169CF3-FEB6-4A8F-8E08-1EB8D7A73047}" type="datetimeFigureOut">
               <a:rPr lang="pt-BR" smtClean="0"/>
-              <a:t>29/04/2025</a:t>
+              <a:t>30/04/2025</a:t>
             </a:fld>
             <a:endParaRPr lang="pt-BR"/>
           </a:p>
@@ -506,7 +521,7 @@
           <a:p>
             <a:fld id="{4C169CF3-FEB6-4A8F-8E08-1EB8D7A73047}" type="datetimeFigureOut">
               <a:rPr lang="pt-BR" smtClean="0"/>
-              <a:t>29/04/2025</a:t>
+              <a:t>30/04/2025</a:t>
             </a:fld>
             <a:endParaRPr lang="pt-BR"/>
           </a:p>
@@ -714,7 +729,7 @@
           <a:p>
             <a:fld id="{4C169CF3-FEB6-4A8F-8E08-1EB8D7A73047}" type="datetimeFigureOut">
               <a:rPr lang="pt-BR" smtClean="0"/>
-              <a:t>29/04/2025</a:t>
+              <a:t>30/04/2025</a:t>
             </a:fld>
             <a:endParaRPr lang="pt-BR"/>
           </a:p>
@@ -912,7 +927,7 @@
           <a:p>
             <a:fld id="{4C169CF3-FEB6-4A8F-8E08-1EB8D7A73047}" type="datetimeFigureOut">
               <a:rPr lang="pt-BR" smtClean="0"/>
-              <a:t>29/04/2025</a:t>
+              <a:t>30/04/2025</a:t>
             </a:fld>
             <a:endParaRPr lang="pt-BR"/>
           </a:p>
@@ -1187,7 +1202,7 @@
           <a:p>
             <a:fld id="{4C169CF3-FEB6-4A8F-8E08-1EB8D7A73047}" type="datetimeFigureOut">
               <a:rPr lang="pt-BR" smtClean="0"/>
-              <a:t>29/04/2025</a:t>
+              <a:t>30/04/2025</a:t>
             </a:fld>
             <a:endParaRPr lang="pt-BR"/>
           </a:p>
@@ -1452,7 +1467,7 @@
           <a:p>
             <a:fld id="{4C169CF3-FEB6-4A8F-8E08-1EB8D7A73047}" type="datetimeFigureOut">
               <a:rPr lang="pt-BR" smtClean="0"/>
-              <a:t>29/04/2025</a:t>
+              <a:t>30/04/2025</a:t>
             </a:fld>
             <a:endParaRPr lang="pt-BR"/>
           </a:p>
@@ -1864,7 +1879,7 @@
           <a:p>
             <a:fld id="{4C169CF3-FEB6-4A8F-8E08-1EB8D7A73047}" type="datetimeFigureOut">
               <a:rPr lang="pt-BR" smtClean="0"/>
-              <a:t>29/04/2025</a:t>
+              <a:t>30/04/2025</a:t>
             </a:fld>
             <a:endParaRPr lang="pt-BR"/>
           </a:p>
@@ -2005,7 +2020,7 @@
           <a:p>
             <a:fld id="{4C169CF3-FEB6-4A8F-8E08-1EB8D7A73047}" type="datetimeFigureOut">
               <a:rPr lang="pt-BR" smtClean="0"/>
-              <a:t>29/04/2025</a:t>
+              <a:t>30/04/2025</a:t>
             </a:fld>
             <a:endParaRPr lang="pt-BR"/>
           </a:p>
@@ -2118,7 +2133,7 @@
           <a:p>
             <a:fld id="{4C169CF3-FEB6-4A8F-8E08-1EB8D7A73047}" type="datetimeFigureOut">
               <a:rPr lang="pt-BR" smtClean="0"/>
-              <a:t>29/04/2025</a:t>
+              <a:t>30/04/2025</a:t>
             </a:fld>
             <a:endParaRPr lang="pt-BR"/>
           </a:p>
@@ -2429,7 +2444,7 @@
           <a:p>
             <a:fld id="{4C169CF3-FEB6-4A8F-8E08-1EB8D7A73047}" type="datetimeFigureOut">
               <a:rPr lang="pt-BR" smtClean="0"/>
-              <a:t>29/04/2025</a:t>
+              <a:t>30/04/2025</a:t>
             </a:fld>
             <a:endParaRPr lang="pt-BR"/>
           </a:p>
@@ -2717,7 +2732,7 @@
           <a:p>
             <a:fld id="{4C169CF3-FEB6-4A8F-8E08-1EB8D7A73047}" type="datetimeFigureOut">
               <a:rPr lang="pt-BR" smtClean="0"/>
-              <a:t>29/04/2025</a:t>
+              <a:t>30/04/2025</a:t>
             </a:fld>
             <a:endParaRPr lang="pt-BR"/>
           </a:p>
@@ -2958,7 +2973,7 @@
           <a:p>
             <a:fld id="{4C169CF3-FEB6-4A8F-8E08-1EB8D7A73047}" type="datetimeFigureOut">
               <a:rPr lang="pt-BR" smtClean="0"/>
-              <a:t>29/04/2025</a:t>
+              <a:t>30/04/2025</a:t>
             </a:fld>
             <a:endParaRPr lang="pt-BR"/>
           </a:p>
@@ -7668,185 +7683,73 @@
           <a:chExt cx="0" cy="0"/>
         </a:xfrm>
       </p:grpSpPr>
-      <p:sp>
-        <p:nvSpPr>
-          <p:cNvPr id="2" name="Título 1">
-            <a:extLst>
-              <a:ext uri="{FF2B5EF4-FFF2-40B4-BE49-F238E27FC236}">
-                <a16:creationId xmlns:a16="http://schemas.microsoft.com/office/drawing/2014/main" id="{74741B5E-E31F-4D30-B923-8CD448C8F499}"/>
-              </a:ext>
-            </a:extLst>
-          </p:cNvPr>
-          <p:cNvSpPr>
-            <a:spLocks noGrp="1"/>
-          </p:cNvSpPr>
-          <p:nvPr>
-            <p:ph type="title"/>
-          </p:nvPr>
-        </p:nvSpPr>
-        <p:spPr/>
-        <p:txBody>
-          <a:bodyPr/>
-          <a:lstStyle/>
-          <a:p>
-            <a:r>
-              <a:rPr lang="pt-BR" dirty="0"/>
-              <a:t>Ferramentas de </a:t>
-            </a:r>
-            <a:r>
-              <a:rPr lang="pt-BR" dirty="0" err="1"/>
-              <a:t>Prompt</a:t>
-            </a:r>
-            <a:r>
-              <a:rPr lang="pt-BR" dirty="0"/>
-              <a:t> (Engenharia de </a:t>
-            </a:r>
-            <a:r>
-              <a:rPr lang="pt-BR" dirty="0" err="1"/>
-              <a:t>Prompt</a:t>
-            </a:r>
-            <a:r>
-              <a:rPr lang="pt-BR" dirty="0"/>
-              <a:t>)</a:t>
-            </a:r>
-          </a:p>
-        </p:txBody>
-      </p:sp>
-      <p:sp>
-        <p:nvSpPr>
-          <p:cNvPr id="3" name="Espaço Reservado para Conteúdo 2">
-            <a:extLst>
-              <a:ext uri="{FF2B5EF4-FFF2-40B4-BE49-F238E27FC236}">
-                <a16:creationId xmlns:a16="http://schemas.microsoft.com/office/drawing/2014/main" id="{AFEE21D1-200A-416F-B0BB-B03238C1D94D}"/>
-              </a:ext>
-            </a:extLst>
-          </p:cNvPr>
-          <p:cNvSpPr>
-            <a:spLocks noGrp="1"/>
-          </p:cNvSpPr>
-          <p:nvPr>
-            <p:ph idx="1"/>
-          </p:nvPr>
-        </p:nvSpPr>
-        <p:spPr/>
-        <p:txBody>
-          <a:bodyPr/>
-          <a:lstStyle/>
-          <a:p>
-            <a:r>
-              <a:rPr lang="pt-BR" dirty="0" err="1"/>
-              <a:t>Copilot</a:t>
-            </a:r>
-            <a:r>
-              <a:rPr lang="pt-BR" dirty="0"/>
-              <a:t> (GitHub </a:t>
-            </a:r>
-            <a:r>
-              <a:rPr lang="pt-BR" dirty="0" err="1"/>
-              <a:t>Copilot</a:t>
-            </a:r>
-            <a:r>
-              <a:rPr lang="pt-BR" dirty="0"/>
-              <a:t>)</a:t>
-            </a:r>
-          </a:p>
-          <a:p>
-            <a:r>
-              <a:rPr lang="pt-BR" dirty="0"/>
-              <a:t>Ferramentas</a:t>
-            </a:r>
-          </a:p>
-          <a:p>
-            <a:pPr lvl="1"/>
-            <a:r>
-              <a:rPr lang="pt-BR" dirty="0">
-                <a:solidFill>
-                  <a:schemeClr val="bg1"/>
-                </a:solidFill>
-                <a:highlight>
-                  <a:srgbClr val="008000"/>
-                </a:highlight>
-              </a:rPr>
-              <a:t>Maritaca – Sabiá-3 (GPT do Brasil)</a:t>
-            </a:r>
-          </a:p>
-          <a:p>
-            <a:pPr lvl="1"/>
-            <a:r>
-              <a:rPr lang="pt-BR" dirty="0" err="1">
-                <a:highlight>
-                  <a:srgbClr val="FFFF00"/>
-                </a:highlight>
-              </a:rPr>
-              <a:t>Grok</a:t>
-            </a:r>
-            <a:r>
-              <a:rPr lang="pt-BR" dirty="0">
-                <a:highlight>
-                  <a:srgbClr val="FFFF00"/>
-                </a:highlight>
-              </a:rPr>
-              <a:t> (</a:t>
-            </a:r>
-            <a:r>
-              <a:rPr lang="pt-BR" dirty="0" err="1">
-                <a:highlight>
-                  <a:srgbClr val="FFFF00"/>
-                </a:highlight>
-              </a:rPr>
-              <a:t>xAI</a:t>
-            </a:r>
-            <a:r>
-              <a:rPr lang="pt-BR" dirty="0">
-                <a:highlight>
-                  <a:srgbClr val="FFFF00"/>
-                </a:highlight>
-              </a:rPr>
-              <a:t>)</a:t>
-            </a:r>
-          </a:p>
-          <a:p>
-            <a:pPr lvl="1"/>
-            <a:r>
-              <a:rPr lang="pt-BR" dirty="0" err="1"/>
-              <a:t>ChatGPT</a:t>
-            </a:r>
-            <a:r>
-              <a:rPr lang="pt-BR" dirty="0"/>
-              <a:t> (Open AI)</a:t>
-            </a:r>
-          </a:p>
-          <a:p>
-            <a:pPr lvl="1"/>
-            <a:r>
-              <a:rPr lang="pt-BR" dirty="0" err="1"/>
-              <a:t>Minstral</a:t>
-            </a:r>
-            <a:r>
-              <a:rPr lang="pt-BR" dirty="0"/>
-              <a:t> (</a:t>
-            </a:r>
-            <a:r>
-              <a:rPr lang="pt-BR" dirty="0" err="1"/>
-              <a:t>LeChat</a:t>
-            </a:r>
-            <a:r>
-              <a:rPr lang="pt-BR" dirty="0"/>
-              <a:t>)</a:t>
-            </a:r>
-          </a:p>
-          <a:p>
-            <a:pPr lvl="1"/>
-            <a:r>
-              <a:rPr lang="pt-BR" dirty="0"/>
-              <a:t>Gemini</a:t>
-            </a:r>
-          </a:p>
-          <a:p>
-            <a:pPr lvl="1"/>
-            <a:r>
-              <a:rPr lang="pt-BR" dirty="0"/>
-              <a:t>Gemini AI Studio</a:t>
+      <p:pic>
+        <p:nvPicPr>
+          <p:cNvPr id="2" name="Imagem 1">
+            <a:extLst>
+              <a:ext uri="{FF2B5EF4-FFF2-40B4-BE49-F238E27FC236}">
+                <a16:creationId xmlns:a16="http://schemas.microsoft.com/office/drawing/2014/main" id="{190EC54D-23D1-473C-9245-21484E216764}"/>
+              </a:ext>
+            </a:extLst>
+          </p:cNvPr>
+          <p:cNvPicPr>
+            <a:picLocks noChangeAspect="1"/>
+          </p:cNvPicPr>
+          <p:nvPr/>
+        </p:nvPicPr>
+        <p:blipFill>
+          <a:blip r:embed="rId2"/>
+          <a:stretch>
+            <a:fillRect/>
+          </a:stretch>
+        </p:blipFill>
+        <p:spPr>
+          <a:xfrm>
+            <a:off x="142875" y="2626191"/>
+            <a:ext cx="11906250" cy="3333750"/>
+          </a:xfrm>
+          <a:prstGeom prst="rect">
+            <a:avLst/>
+          </a:prstGeom>
+        </p:spPr>
+      </p:pic>
+      <p:sp>
+        <p:nvSpPr>
+          <p:cNvPr id="3" name="CaixaDeTexto 2">
+            <a:extLst>
+              <a:ext uri="{FF2B5EF4-FFF2-40B4-BE49-F238E27FC236}">
+                <a16:creationId xmlns:a16="http://schemas.microsoft.com/office/drawing/2014/main" id="{F66702D6-A982-48DE-B931-755B553F7354}"/>
+              </a:ext>
+            </a:extLst>
+          </p:cNvPr>
+          <p:cNvSpPr txBox="1"/>
+          <p:nvPr/>
+        </p:nvSpPr>
+        <p:spPr>
+          <a:xfrm>
+            <a:off x="142875" y="1170222"/>
+            <a:ext cx="9791014" cy="1200329"/>
+          </a:xfrm>
+          <a:prstGeom prst="rect">
+            <a:avLst/>
+          </a:prstGeom>
+          <a:noFill/>
+        </p:spPr>
+        <p:txBody>
+          <a:bodyPr wrap="none" rtlCol="0">
+            <a:spAutoFit/>
+          </a:bodyPr>
+          <a:lstStyle/>
+          <a:p>
+            <a:r>
+              <a:rPr lang="pt-BR" sz="3600" dirty="0"/>
+              <a:t>Quantos entrevistados na minha amostra possuem </a:t>
+            </a:r>
+          </a:p>
+          <a:p>
+            <a:r>
+              <a:rPr lang="pt-BR" sz="3600" dirty="0"/>
+              <a:t>idade inferior a 18 anos?</a:t>
             </a:r>
           </a:p>
         </p:txBody>
@@ -7854,7 +7757,7 @@
     </p:spTree>
     <p:extLst>
       <p:ext uri="{BB962C8B-B14F-4D97-AF65-F5344CB8AC3E}">
-        <p14:creationId xmlns:p14="http://schemas.microsoft.com/office/powerpoint/2010/main" val="2989483365"/>
+        <p14:creationId xmlns:p14="http://schemas.microsoft.com/office/powerpoint/2010/main" val="795085916"/>
       </p:ext>
     </p:extLst>
   </p:cSld>
@@ -7881,40 +7784,78 @@
           <a:chExt cx="0" cy="0"/>
         </a:xfrm>
       </p:grpSpPr>
-      <p:pic>
-        <p:nvPicPr>
-          <p:cNvPr id="2" name="Imagem 1">
-            <a:extLst>
-              <a:ext uri="{FF2B5EF4-FFF2-40B4-BE49-F238E27FC236}">
-                <a16:creationId xmlns:a16="http://schemas.microsoft.com/office/drawing/2014/main" id="{7A7A40A7-8717-469E-8E71-CDAC04CDA0FB}"/>
-              </a:ext>
-            </a:extLst>
-          </p:cNvPr>
-          <p:cNvPicPr>
-            <a:picLocks noChangeAspect="1"/>
-          </p:cNvPicPr>
-          <p:nvPr/>
-        </p:nvPicPr>
-        <p:blipFill>
-          <a:blip r:embed="rId2"/>
-          <a:stretch>
-            <a:fillRect/>
-          </a:stretch>
-        </p:blipFill>
-        <p:spPr>
-          <a:xfrm>
-            <a:off x="2206172" y="1785258"/>
-            <a:ext cx="6634076" cy="2930298"/>
-          </a:xfrm>
-          <a:prstGeom prst="rect">
-            <a:avLst/>
-          </a:prstGeom>
-        </p:spPr>
-      </p:pic>
+      <p:sp>
+        <p:nvSpPr>
+          <p:cNvPr id="2" name="Título 1">
+            <a:extLst>
+              <a:ext uri="{FF2B5EF4-FFF2-40B4-BE49-F238E27FC236}">
+                <a16:creationId xmlns:a16="http://schemas.microsoft.com/office/drawing/2014/main" id="{05D2B369-A7C7-4739-9B9E-69630CA9651E}"/>
+              </a:ext>
+            </a:extLst>
+          </p:cNvPr>
+          <p:cNvSpPr>
+            <a:spLocks noGrp="1"/>
+          </p:cNvSpPr>
+          <p:nvPr>
+            <p:ph type="title"/>
+          </p:nvPr>
+        </p:nvSpPr>
+        <p:spPr/>
+        <p:txBody>
+          <a:bodyPr/>
+          <a:lstStyle/>
+          <a:p>
+            <a:r>
+              <a:rPr lang="pt-BR" dirty="0"/>
+              <a:t>Procedures</a:t>
+            </a:r>
+          </a:p>
+        </p:txBody>
+      </p:sp>
+      <p:sp>
+        <p:nvSpPr>
+          <p:cNvPr id="3" name="Espaço Reservado para Conteúdo 2">
+            <a:extLst>
+              <a:ext uri="{FF2B5EF4-FFF2-40B4-BE49-F238E27FC236}">
+                <a16:creationId xmlns:a16="http://schemas.microsoft.com/office/drawing/2014/main" id="{5D37FEB2-EBB0-408C-AA9F-E222FB0B76D0}"/>
+              </a:ext>
+            </a:extLst>
+          </p:cNvPr>
+          <p:cNvSpPr>
+            <a:spLocks noGrp="1"/>
+          </p:cNvSpPr>
+          <p:nvPr>
+            <p:ph idx="1"/>
+          </p:nvPr>
+        </p:nvSpPr>
+        <p:spPr/>
+        <p:txBody>
+          <a:bodyPr/>
+          <a:lstStyle/>
+          <a:p>
+            <a:r>
+              <a:rPr lang="pt-BR" dirty="0"/>
+              <a:t>Algoritmos</a:t>
+            </a:r>
+          </a:p>
+          <a:p>
+            <a:r>
+              <a:rPr lang="pt-BR" dirty="0"/>
+              <a:t>Variável</a:t>
+            </a:r>
+          </a:p>
+          <a:p>
+            <a:r>
+              <a:rPr lang="pt-BR" dirty="0"/>
+              <a:t>Procedimento x Função</a:t>
+            </a:r>
+          </a:p>
+        </p:txBody>
+      </p:sp>
     </p:spTree>
     <p:extLst>
       <p:ext uri="{BB962C8B-B14F-4D97-AF65-F5344CB8AC3E}">
-        <p14:creationId xmlns:p14="http://schemas.microsoft.com/office/powerpoint/2010/main" val="1821571477"/>
+        <p14:creationId xmlns:p14="http://schemas.microsoft.com/office/powerpoint/2010/main" val="3335099393"/>
       </p:ext>
     </p:extLst>
   </p:cSld>
@@ -7941,40 +7882,44 @@
           <a:chExt cx="0" cy="0"/>
         </a:xfrm>
       </p:grpSpPr>
-      <p:pic>
-        <p:nvPicPr>
-          <p:cNvPr id="2" name="Imagem 1">
-            <a:extLst>
-              <a:ext uri="{FF2B5EF4-FFF2-40B4-BE49-F238E27FC236}">
-                <a16:creationId xmlns:a16="http://schemas.microsoft.com/office/drawing/2014/main" id="{C2C09DCC-636C-48A2-8310-F8B9CDB9F6E4}"/>
-              </a:ext>
-            </a:extLst>
-          </p:cNvPr>
-          <p:cNvPicPr>
-            <a:picLocks noChangeAspect="1"/>
-          </p:cNvPicPr>
+      <p:sp>
+        <p:nvSpPr>
+          <p:cNvPr id="2" name="Retângulo 1">
+            <a:extLst>
+              <a:ext uri="{FF2B5EF4-FFF2-40B4-BE49-F238E27FC236}">
+                <a16:creationId xmlns:a16="http://schemas.microsoft.com/office/drawing/2014/main" id="{CC193A5A-2DAE-4EEA-BADD-2EC91484A4E6}"/>
+              </a:ext>
+            </a:extLst>
+          </p:cNvPr>
+          <p:cNvSpPr/>
           <p:nvPr/>
-        </p:nvPicPr>
-        <p:blipFill>
-          <a:blip r:embed="rId2"/>
-          <a:stretch>
-            <a:fillRect/>
-          </a:stretch>
-        </p:blipFill>
+        </p:nvSpPr>
         <p:spPr>
           <a:xfrm>
-            <a:off x="3067024" y="1480457"/>
-            <a:ext cx="6057951" cy="3536723"/>
+            <a:off x="3048000" y="2828836"/>
+            <a:ext cx="6096000" cy="1200329"/>
           </a:xfrm>
           <a:prstGeom prst="rect">
             <a:avLst/>
           </a:prstGeom>
         </p:spPr>
-      </p:pic>
+        <p:txBody>
+          <a:bodyPr>
+            <a:spAutoFit/>
+          </a:bodyPr>
+          <a:lstStyle/>
+          <a:p>
+            <a:r>
+              <a:rPr lang="pt-BR" dirty="0"/>
+              <a:t>Ah, o glorioso "Alô Mundo", o ritual sagrado de invocação dos deuses da programação, aquele grito primal dos que ousam mexer em banco de dados sem saber exatamente o que estão fazendo (e honestamente, quem realmente sabe?).</a:t>
+            </a:r>
+          </a:p>
+        </p:txBody>
+      </p:sp>
     </p:spTree>
     <p:extLst>
       <p:ext uri="{BB962C8B-B14F-4D97-AF65-F5344CB8AC3E}">
-        <p14:creationId xmlns:p14="http://schemas.microsoft.com/office/powerpoint/2010/main" val="2161776903"/>
+        <p14:creationId xmlns:p14="http://schemas.microsoft.com/office/powerpoint/2010/main" val="3484122238"/>
       </p:ext>
     </p:extLst>
   </p:cSld>
@@ -8061,12 +8006,84 @@
           <a:chExt cx="0" cy="0"/>
         </a:xfrm>
       </p:grpSpPr>
+      <p:sp>
+        <p:nvSpPr>
+          <p:cNvPr id="2" name="Retângulo 1">
+            <a:extLst>
+              <a:ext uri="{FF2B5EF4-FFF2-40B4-BE49-F238E27FC236}">
+                <a16:creationId xmlns:a16="http://schemas.microsoft.com/office/drawing/2014/main" id="{9CCC5673-68DC-4DC5-90C5-4479B0B66280}"/>
+              </a:ext>
+            </a:extLst>
+          </p:cNvPr>
+          <p:cNvSpPr/>
+          <p:nvPr/>
+        </p:nvSpPr>
+        <p:spPr>
+          <a:xfrm>
+            <a:off x="2050473" y="2170545"/>
+            <a:ext cx="7093527" cy="646331"/>
+          </a:xfrm>
+          <a:prstGeom prst="rect">
+            <a:avLst/>
+          </a:prstGeom>
+        </p:spPr>
+        <p:txBody>
+          <a:bodyPr wrap="square">
+            <a:spAutoFit/>
+          </a:bodyPr>
+          <a:lstStyle/>
+          <a:p>
+            <a:r>
+              <a:rPr lang="pt-BR" dirty="0"/>
+              <a:t>Aqui está a </a:t>
+            </a:r>
+            <a:r>
+              <a:rPr lang="pt-BR" b="1" dirty="0"/>
+              <a:t>procedure mais inútil e, portanto, mais importante da história</a:t>
+            </a:r>
+            <a:r>
+              <a:rPr lang="pt-BR" dirty="0"/>
+              <a:t> em MySQL:</a:t>
+            </a:r>
+          </a:p>
+        </p:txBody>
+      </p:sp>
+    </p:spTree>
+    <p:extLst>
+      <p:ext uri="{BB962C8B-B14F-4D97-AF65-F5344CB8AC3E}">
+        <p14:creationId xmlns:p14="http://schemas.microsoft.com/office/powerpoint/2010/main" val="2224204393"/>
+      </p:ext>
+    </p:extLst>
+  </p:cSld>
+  <p:clrMapOvr>
+    <a:masterClrMapping/>
+  </p:clrMapOvr>
+</p:sld>
+</file>
+
+<file path=ppt/slides/slide51.xml><?xml version="1.0" encoding="utf-8"?>
+<p:sld xmlns:a="http://schemas.openxmlformats.org/drawingml/2006/main" xmlns:r="http://schemas.openxmlformats.org/officeDocument/2006/relationships" xmlns:p="http://schemas.openxmlformats.org/presentationml/2006/main">
+  <p:cSld>
+    <p:spTree>
+      <p:nvGrpSpPr>
+        <p:cNvPr id="1" name=""/>
+        <p:cNvGrpSpPr/>
+        <p:nvPr/>
+      </p:nvGrpSpPr>
+      <p:grpSpPr>
+        <a:xfrm>
+          <a:off x="0" y="0"/>
+          <a:ext cx="0" cy="0"/>
+          <a:chOff x="0" y="0"/>
+          <a:chExt cx="0" cy="0"/>
+        </a:xfrm>
+      </p:grpSpPr>
       <p:pic>
         <p:nvPicPr>
           <p:cNvPr id="2" name="Imagem 1">
             <a:extLst>
               <a:ext uri="{FF2B5EF4-FFF2-40B4-BE49-F238E27FC236}">
-                <a16:creationId xmlns:a16="http://schemas.microsoft.com/office/drawing/2014/main" id="{207C687F-C871-4C11-B1EF-EB5EA60E2B87}"/>
+                <a16:creationId xmlns:a16="http://schemas.microsoft.com/office/drawing/2014/main" id="{E267F64D-30CE-408C-A7FE-734B0BE22AD4}"/>
               </a:ext>
             </a:extLst>
           </p:cNvPr>
@@ -8083,8 +8100,8 @@
         </p:blipFill>
         <p:spPr>
           <a:xfrm>
-            <a:off x="1553029" y="1245925"/>
-            <a:ext cx="9398294" cy="4516246"/>
+            <a:off x="742052" y="879764"/>
+            <a:ext cx="10930169" cy="5098472"/>
           </a:xfrm>
           <a:prstGeom prst="rect">
             <a:avLst/>
@@ -8094,7 +8111,776 @@
     </p:spTree>
     <p:extLst>
       <p:ext uri="{BB962C8B-B14F-4D97-AF65-F5344CB8AC3E}">
-        <p14:creationId xmlns:p14="http://schemas.microsoft.com/office/powerpoint/2010/main" val="3948534472"/>
+        <p14:creationId xmlns:p14="http://schemas.microsoft.com/office/powerpoint/2010/main" val="2231806664"/>
+      </p:ext>
+    </p:extLst>
+  </p:cSld>
+  <p:clrMapOvr>
+    <a:masterClrMapping/>
+  </p:clrMapOvr>
+</p:sld>
+</file>
+
+<file path=ppt/slides/slide52.xml><?xml version="1.0" encoding="utf-8"?>
+<p:sld xmlns:a="http://schemas.openxmlformats.org/drawingml/2006/main" xmlns:r="http://schemas.openxmlformats.org/officeDocument/2006/relationships" xmlns:p="http://schemas.openxmlformats.org/presentationml/2006/main">
+  <p:cSld>
+    <p:spTree>
+      <p:nvGrpSpPr>
+        <p:cNvPr id="1" name=""/>
+        <p:cNvGrpSpPr/>
+        <p:nvPr/>
+      </p:nvGrpSpPr>
+      <p:grpSpPr>
+        <a:xfrm>
+          <a:off x="0" y="0"/>
+          <a:ext cx="0" cy="0"/>
+          <a:chOff x="0" y="0"/>
+          <a:chExt cx="0" cy="0"/>
+        </a:xfrm>
+      </p:grpSpPr>
+      <p:pic>
+        <p:nvPicPr>
+          <p:cNvPr id="2" name="Imagem 1">
+            <a:extLst>
+              <a:ext uri="{FF2B5EF4-FFF2-40B4-BE49-F238E27FC236}">
+                <a16:creationId xmlns:a16="http://schemas.microsoft.com/office/drawing/2014/main" id="{1A6F9B14-6D73-45A4-94BF-313F2DE8B026}"/>
+              </a:ext>
+            </a:extLst>
+          </p:cNvPr>
+          <p:cNvPicPr>
+            <a:picLocks noChangeAspect="1"/>
+          </p:cNvPicPr>
+          <p:nvPr/>
+        </p:nvPicPr>
+        <p:blipFill>
+          <a:blip r:embed="rId2"/>
+          <a:stretch>
+            <a:fillRect/>
+          </a:stretch>
+        </p:blipFill>
+        <p:spPr>
+          <a:xfrm>
+            <a:off x="775855" y="1721097"/>
+            <a:ext cx="11038465" cy="3543630"/>
+          </a:xfrm>
+          <a:prstGeom prst="rect">
+            <a:avLst/>
+          </a:prstGeom>
+        </p:spPr>
+      </p:pic>
+    </p:spTree>
+    <p:extLst>
+      <p:ext uri="{BB962C8B-B14F-4D97-AF65-F5344CB8AC3E}">
+        <p14:creationId xmlns:p14="http://schemas.microsoft.com/office/powerpoint/2010/main" val="2388658925"/>
+      </p:ext>
+    </p:extLst>
+  </p:cSld>
+  <p:clrMapOvr>
+    <a:masterClrMapping/>
+  </p:clrMapOvr>
+</p:sld>
+</file>
+
+<file path=ppt/slides/slide53.xml><?xml version="1.0" encoding="utf-8"?>
+<p:sld xmlns:a="http://schemas.openxmlformats.org/drawingml/2006/main" xmlns:r="http://schemas.openxmlformats.org/officeDocument/2006/relationships" xmlns:p="http://schemas.openxmlformats.org/presentationml/2006/main">
+  <p:cSld>
+    <p:spTree>
+      <p:nvGrpSpPr>
+        <p:cNvPr id="1" name=""/>
+        <p:cNvGrpSpPr/>
+        <p:nvPr/>
+      </p:nvGrpSpPr>
+      <p:grpSpPr>
+        <a:xfrm>
+          <a:off x="0" y="0"/>
+          <a:ext cx="0" cy="0"/>
+          <a:chOff x="0" y="0"/>
+          <a:chExt cx="0" cy="0"/>
+        </a:xfrm>
+      </p:grpSpPr>
+      <p:pic>
+        <p:nvPicPr>
+          <p:cNvPr id="4" name="Imagem 3">
+            <a:extLst>
+              <a:ext uri="{FF2B5EF4-FFF2-40B4-BE49-F238E27FC236}">
+                <a16:creationId xmlns:a16="http://schemas.microsoft.com/office/drawing/2014/main" id="{F5D31A71-3A75-4544-A0A5-A3989EB4A0A6}"/>
+              </a:ext>
+            </a:extLst>
+          </p:cNvPr>
+          <p:cNvPicPr>
+            <a:picLocks noChangeAspect="1"/>
+          </p:cNvPicPr>
+          <p:nvPr/>
+        </p:nvPicPr>
+        <p:blipFill>
+          <a:blip r:embed="rId2"/>
+          <a:stretch>
+            <a:fillRect/>
+          </a:stretch>
+        </p:blipFill>
+        <p:spPr>
+          <a:xfrm>
+            <a:off x="528506" y="186531"/>
+            <a:ext cx="10425362" cy="6071655"/>
+          </a:xfrm>
+          <a:prstGeom prst="rect">
+            <a:avLst/>
+          </a:prstGeom>
+        </p:spPr>
+      </p:pic>
+    </p:spTree>
+    <p:extLst>
+      <p:ext uri="{BB962C8B-B14F-4D97-AF65-F5344CB8AC3E}">
+        <p14:creationId xmlns:p14="http://schemas.microsoft.com/office/powerpoint/2010/main" val="2985994732"/>
+      </p:ext>
+    </p:extLst>
+  </p:cSld>
+  <p:clrMapOvr>
+    <a:masterClrMapping/>
+  </p:clrMapOvr>
+</p:sld>
+</file>
+
+<file path=ppt/slides/slide54.xml><?xml version="1.0" encoding="utf-8"?>
+<p:sld xmlns:a="http://schemas.openxmlformats.org/drawingml/2006/main" xmlns:r="http://schemas.openxmlformats.org/officeDocument/2006/relationships" xmlns:p="http://schemas.openxmlformats.org/presentationml/2006/main">
+  <p:cSld>
+    <p:spTree>
+      <p:nvGrpSpPr>
+        <p:cNvPr id="1" name=""/>
+        <p:cNvGrpSpPr/>
+        <p:nvPr/>
+      </p:nvGrpSpPr>
+      <p:grpSpPr>
+        <a:xfrm>
+          <a:off x="0" y="0"/>
+          <a:ext cx="0" cy="0"/>
+          <a:chOff x="0" y="0"/>
+          <a:chExt cx="0" cy="0"/>
+        </a:xfrm>
+      </p:grpSpPr>
+      <p:pic>
+        <p:nvPicPr>
+          <p:cNvPr id="2" name="Imagem 1">
+            <a:extLst>
+              <a:ext uri="{FF2B5EF4-FFF2-40B4-BE49-F238E27FC236}">
+                <a16:creationId xmlns:a16="http://schemas.microsoft.com/office/drawing/2014/main" id="{F68312C2-3BF3-4BBA-AB66-9631C6285EC8}"/>
+              </a:ext>
+            </a:extLst>
+          </p:cNvPr>
+          <p:cNvPicPr>
+            <a:picLocks noChangeAspect="1"/>
+          </p:cNvPicPr>
+          <p:nvPr/>
+        </p:nvPicPr>
+        <p:blipFill>
+          <a:blip r:embed="rId2"/>
+          <a:stretch>
+            <a:fillRect/>
+          </a:stretch>
+        </p:blipFill>
+        <p:spPr>
+          <a:xfrm>
+            <a:off x="1390912" y="264597"/>
+            <a:ext cx="9410176" cy="6328805"/>
+          </a:xfrm>
+          <a:prstGeom prst="rect">
+            <a:avLst/>
+          </a:prstGeom>
+        </p:spPr>
+      </p:pic>
+    </p:spTree>
+    <p:extLst>
+      <p:ext uri="{BB962C8B-B14F-4D97-AF65-F5344CB8AC3E}">
+        <p14:creationId xmlns:p14="http://schemas.microsoft.com/office/powerpoint/2010/main" val="2266611990"/>
+      </p:ext>
+    </p:extLst>
+  </p:cSld>
+  <p:clrMapOvr>
+    <a:masterClrMapping/>
+  </p:clrMapOvr>
+</p:sld>
+</file>
+
+<file path=ppt/slides/slide55.xml><?xml version="1.0" encoding="utf-8"?>
+<p:sld xmlns:a="http://schemas.openxmlformats.org/drawingml/2006/main" xmlns:r="http://schemas.openxmlformats.org/officeDocument/2006/relationships" xmlns:p="http://schemas.openxmlformats.org/presentationml/2006/main">
+  <p:cSld>
+    <p:spTree>
+      <p:nvGrpSpPr>
+        <p:cNvPr id="1" name=""/>
+        <p:cNvGrpSpPr/>
+        <p:nvPr/>
+      </p:nvGrpSpPr>
+      <p:grpSpPr>
+        <a:xfrm>
+          <a:off x="0" y="0"/>
+          <a:ext cx="0" cy="0"/>
+          <a:chOff x="0" y="0"/>
+          <a:chExt cx="0" cy="0"/>
+        </a:xfrm>
+      </p:grpSpPr>
+      <p:pic>
+        <p:nvPicPr>
+          <p:cNvPr id="2" name="Imagem 1">
+            <a:extLst>
+              <a:ext uri="{FF2B5EF4-FFF2-40B4-BE49-F238E27FC236}">
+                <a16:creationId xmlns:a16="http://schemas.microsoft.com/office/drawing/2014/main" id="{719799E8-5D8A-44E1-90D3-22B5D650E778}"/>
+              </a:ext>
+            </a:extLst>
+          </p:cNvPr>
+          <p:cNvPicPr>
+            <a:picLocks noChangeAspect="1"/>
+          </p:cNvPicPr>
+          <p:nvPr/>
+        </p:nvPicPr>
+        <p:blipFill>
+          <a:blip r:embed="rId2"/>
+          <a:stretch>
+            <a:fillRect/>
+          </a:stretch>
+        </p:blipFill>
+        <p:spPr>
+          <a:xfrm>
+            <a:off x="407703" y="1838325"/>
+            <a:ext cx="4295775" cy="3181350"/>
+          </a:xfrm>
+          <a:prstGeom prst="rect">
+            <a:avLst/>
+          </a:prstGeom>
+        </p:spPr>
+      </p:pic>
+      <p:sp>
+        <p:nvSpPr>
+          <p:cNvPr id="3" name="CaixaDeTexto 2">
+            <a:extLst>
+              <a:ext uri="{FF2B5EF4-FFF2-40B4-BE49-F238E27FC236}">
+                <a16:creationId xmlns:a16="http://schemas.microsoft.com/office/drawing/2014/main" id="{EBEFDF24-75C3-4615-B86F-85AD2642DD41}"/>
+              </a:ext>
+            </a:extLst>
+          </p:cNvPr>
+          <p:cNvSpPr txBox="1"/>
+          <p:nvPr/>
+        </p:nvSpPr>
+        <p:spPr>
+          <a:xfrm>
+            <a:off x="1039886" y="1370287"/>
+            <a:ext cx="3062762" cy="369332"/>
+          </a:xfrm>
+          <a:prstGeom prst="rect">
+            <a:avLst/>
+          </a:prstGeom>
+          <a:noFill/>
+        </p:spPr>
+        <p:txBody>
+          <a:bodyPr wrap="none" rtlCol="0">
+            <a:spAutoFit/>
+          </a:bodyPr>
+          <a:lstStyle/>
+          <a:p>
+            <a:r>
+              <a:rPr lang="pt-BR" dirty="0" err="1"/>
+              <a:t>SQLServer</a:t>
+            </a:r>
+            <a:r>
+              <a:rPr lang="pt-BR" dirty="0"/>
+              <a:t>      </a:t>
+            </a:r>
+            <a:r>
+              <a:rPr lang="pt-BR" b="1" dirty="0"/>
+              <a:t>TSQL (Microsoft)</a:t>
+            </a:r>
+          </a:p>
+        </p:txBody>
+      </p:sp>
+      <p:pic>
+        <p:nvPicPr>
+          <p:cNvPr id="4" name="Imagem 3">
+            <a:extLst>
+              <a:ext uri="{FF2B5EF4-FFF2-40B4-BE49-F238E27FC236}">
+                <a16:creationId xmlns:a16="http://schemas.microsoft.com/office/drawing/2014/main" id="{E7D36FAD-5C92-41BF-B390-9D0B1AD79D03}"/>
+              </a:ext>
+            </a:extLst>
+          </p:cNvPr>
+          <p:cNvPicPr>
+            <a:picLocks noChangeAspect="1"/>
+          </p:cNvPicPr>
+          <p:nvPr/>
+        </p:nvPicPr>
+        <p:blipFill>
+          <a:blip r:embed="rId3"/>
+          <a:stretch>
+            <a:fillRect/>
+          </a:stretch>
+        </p:blipFill>
+        <p:spPr>
+          <a:xfrm>
+            <a:off x="5397968" y="2197915"/>
+            <a:ext cx="5948056" cy="2221815"/>
+          </a:xfrm>
+          <a:prstGeom prst="rect">
+            <a:avLst/>
+          </a:prstGeom>
+        </p:spPr>
+      </p:pic>
+      <p:sp>
+        <p:nvSpPr>
+          <p:cNvPr id="5" name="CaixaDeTexto 4">
+            <a:extLst>
+              <a:ext uri="{FF2B5EF4-FFF2-40B4-BE49-F238E27FC236}">
+                <a16:creationId xmlns:a16="http://schemas.microsoft.com/office/drawing/2014/main" id="{8D8602A9-98A3-44DC-8980-407F28C80898}"/>
+              </a:ext>
+            </a:extLst>
+          </p:cNvPr>
+          <p:cNvSpPr txBox="1"/>
+          <p:nvPr/>
+        </p:nvSpPr>
+        <p:spPr>
+          <a:xfrm>
+            <a:off x="6192124" y="1468993"/>
+            <a:ext cx="3002425" cy="369332"/>
+          </a:xfrm>
+          <a:prstGeom prst="rect">
+            <a:avLst/>
+          </a:prstGeom>
+          <a:noFill/>
+        </p:spPr>
+        <p:txBody>
+          <a:bodyPr wrap="none" rtlCol="0">
+            <a:spAutoFit/>
+          </a:bodyPr>
+          <a:lstStyle/>
+          <a:p>
+            <a:r>
+              <a:rPr lang="pt-BR" dirty="0"/>
+              <a:t>SQL Padrão      </a:t>
+            </a:r>
+            <a:r>
+              <a:rPr lang="pt-BR" b="1" dirty="0"/>
+              <a:t>MySQL(Oracle)</a:t>
+            </a:r>
+          </a:p>
+        </p:txBody>
+      </p:sp>
+    </p:spTree>
+    <p:extLst>
+      <p:ext uri="{BB962C8B-B14F-4D97-AF65-F5344CB8AC3E}">
+        <p14:creationId xmlns:p14="http://schemas.microsoft.com/office/powerpoint/2010/main" val="3364486365"/>
+      </p:ext>
+    </p:extLst>
+  </p:cSld>
+  <p:clrMapOvr>
+    <a:masterClrMapping/>
+  </p:clrMapOvr>
+</p:sld>
+</file>
+
+<file path=ppt/slides/slide56.xml><?xml version="1.0" encoding="utf-8"?>
+<p:sld xmlns:a="http://schemas.openxmlformats.org/drawingml/2006/main" xmlns:r="http://schemas.openxmlformats.org/officeDocument/2006/relationships" xmlns:p="http://schemas.openxmlformats.org/presentationml/2006/main">
+  <p:cSld>
+    <p:spTree>
+      <p:nvGrpSpPr>
+        <p:cNvPr id="1" name=""/>
+        <p:cNvGrpSpPr/>
+        <p:nvPr/>
+      </p:nvGrpSpPr>
+      <p:grpSpPr>
+        <a:xfrm>
+          <a:off x="0" y="0"/>
+          <a:ext cx="0" cy="0"/>
+          <a:chOff x="0" y="0"/>
+          <a:chExt cx="0" cy="0"/>
+        </a:xfrm>
+      </p:grpSpPr>
+      <p:sp>
+        <p:nvSpPr>
+          <p:cNvPr id="2" name="Título 1">
+            <a:extLst>
+              <a:ext uri="{FF2B5EF4-FFF2-40B4-BE49-F238E27FC236}">
+                <a16:creationId xmlns:a16="http://schemas.microsoft.com/office/drawing/2014/main" id="{C1BA1B14-0E68-42B2-9C8E-E2ED510254FA}"/>
+              </a:ext>
+            </a:extLst>
+          </p:cNvPr>
+          <p:cNvSpPr>
+            <a:spLocks noGrp="1"/>
+          </p:cNvSpPr>
+          <p:nvPr>
+            <p:ph type="title"/>
+          </p:nvPr>
+        </p:nvSpPr>
+        <p:spPr/>
+        <p:txBody>
+          <a:bodyPr/>
+          <a:lstStyle/>
+          <a:p>
+            <a:r>
+              <a:rPr lang="pt-BR" dirty="0"/>
+              <a:t>Criar um procedure que mostre o valor de uma variável?</a:t>
+            </a:r>
+          </a:p>
+        </p:txBody>
+      </p:sp>
+      <p:sp>
+        <p:nvSpPr>
+          <p:cNvPr id="3" name="Espaço Reservado para Conteúdo 2">
+            <a:extLst>
+              <a:ext uri="{FF2B5EF4-FFF2-40B4-BE49-F238E27FC236}">
+                <a16:creationId xmlns:a16="http://schemas.microsoft.com/office/drawing/2014/main" id="{4A22AB5A-2813-4204-A93D-E19882CA9E42}"/>
+              </a:ext>
+            </a:extLst>
+          </p:cNvPr>
+          <p:cNvSpPr>
+            <a:spLocks noGrp="1"/>
+          </p:cNvSpPr>
+          <p:nvPr>
+            <p:ph idx="1"/>
+          </p:nvPr>
+        </p:nvSpPr>
+        <p:spPr/>
+        <p:txBody>
+          <a:bodyPr/>
+          <a:lstStyle/>
+          <a:p>
+            <a:r>
+              <a:rPr lang="pt-BR" dirty="0"/>
+              <a:t>Como criar uma variável no MySQL (Procedure)</a:t>
+            </a:r>
+          </a:p>
+          <a:p>
+            <a:r>
+              <a:rPr lang="pt-BR" dirty="0"/>
+              <a:t>Idade = (atribuição)</a:t>
+            </a:r>
+          </a:p>
+          <a:p>
+            <a:pPr lvl="1"/>
+            <a:r>
+              <a:rPr lang="pt-BR" dirty="0"/>
+              <a:t>18</a:t>
+            </a:r>
+          </a:p>
+          <a:p>
+            <a:r>
+              <a:rPr lang="pt-BR" dirty="0"/>
+              <a:t>Mostrar a variável</a:t>
+            </a:r>
+          </a:p>
+          <a:p>
+            <a:r>
+              <a:rPr lang="pt-BR" dirty="0"/>
+              <a:t> Algoritmo</a:t>
+            </a:r>
+          </a:p>
+          <a:p>
+            <a:pPr marL="914400" lvl="1" indent="-457200">
+              <a:buFont typeface="+mj-lt"/>
+              <a:buAutoNum type="arabicPeriod"/>
+            </a:pPr>
+            <a:r>
+              <a:rPr lang="pt-BR" dirty="0"/>
+              <a:t>Atribuir a variável</a:t>
+            </a:r>
+          </a:p>
+          <a:p>
+            <a:pPr marL="914400" lvl="1" indent="-457200">
+              <a:buFont typeface="+mj-lt"/>
+              <a:buAutoNum type="arabicPeriod"/>
+            </a:pPr>
+            <a:r>
+              <a:rPr lang="pt-BR" dirty="0"/>
+              <a:t>Mostrar a variável</a:t>
+            </a:r>
+          </a:p>
+        </p:txBody>
+      </p:sp>
+    </p:spTree>
+    <p:extLst>
+      <p:ext uri="{BB962C8B-B14F-4D97-AF65-F5344CB8AC3E}">
+        <p14:creationId xmlns:p14="http://schemas.microsoft.com/office/powerpoint/2010/main" val="2338231714"/>
+      </p:ext>
+    </p:extLst>
+  </p:cSld>
+  <p:clrMapOvr>
+    <a:masterClrMapping/>
+  </p:clrMapOvr>
+</p:sld>
+</file>
+
+<file path=ppt/slides/slide57.xml><?xml version="1.0" encoding="utf-8"?>
+<p:sld xmlns:a="http://schemas.openxmlformats.org/drawingml/2006/main" xmlns:r="http://schemas.openxmlformats.org/officeDocument/2006/relationships" xmlns:p="http://schemas.openxmlformats.org/presentationml/2006/main">
+  <p:cSld>
+    <p:spTree>
+      <p:nvGrpSpPr>
+        <p:cNvPr id="1" name=""/>
+        <p:cNvGrpSpPr/>
+        <p:nvPr/>
+      </p:nvGrpSpPr>
+      <p:grpSpPr>
+        <a:xfrm>
+          <a:off x="0" y="0"/>
+          <a:ext cx="0" cy="0"/>
+          <a:chOff x="0" y="0"/>
+          <a:chExt cx="0" cy="0"/>
+        </a:xfrm>
+      </p:grpSpPr>
+      <p:pic>
+        <p:nvPicPr>
+          <p:cNvPr id="2" name="Imagem 1">
+            <a:extLst>
+              <a:ext uri="{FF2B5EF4-FFF2-40B4-BE49-F238E27FC236}">
+                <a16:creationId xmlns:a16="http://schemas.microsoft.com/office/drawing/2014/main" id="{AEFDE5FB-0857-4979-8478-C24185E98F80}"/>
+              </a:ext>
+            </a:extLst>
+          </p:cNvPr>
+          <p:cNvPicPr>
+            <a:picLocks noChangeAspect="1"/>
+          </p:cNvPicPr>
+          <p:nvPr/>
+        </p:nvPicPr>
+        <p:blipFill>
+          <a:blip r:embed="rId2"/>
+          <a:stretch>
+            <a:fillRect/>
+          </a:stretch>
+        </p:blipFill>
+        <p:spPr>
+          <a:xfrm>
+            <a:off x="1781175" y="128587"/>
+            <a:ext cx="8629650" cy="6600825"/>
+          </a:xfrm>
+          <a:prstGeom prst="rect">
+            <a:avLst/>
+          </a:prstGeom>
+        </p:spPr>
+      </p:pic>
+    </p:spTree>
+    <p:extLst>
+      <p:ext uri="{BB962C8B-B14F-4D97-AF65-F5344CB8AC3E}">
+        <p14:creationId xmlns:p14="http://schemas.microsoft.com/office/powerpoint/2010/main" val="207610308"/>
+      </p:ext>
+    </p:extLst>
+  </p:cSld>
+  <p:clrMapOvr>
+    <a:masterClrMapping/>
+  </p:clrMapOvr>
+</p:sld>
+</file>
+
+<file path=ppt/slides/slide58.xml><?xml version="1.0" encoding="utf-8"?>
+<p:sld xmlns:a="http://schemas.openxmlformats.org/drawingml/2006/main" xmlns:r="http://schemas.openxmlformats.org/officeDocument/2006/relationships" xmlns:p="http://schemas.openxmlformats.org/presentationml/2006/main">
+  <p:cSld>
+    <p:spTree>
+      <p:nvGrpSpPr>
+        <p:cNvPr id="1" name=""/>
+        <p:cNvGrpSpPr/>
+        <p:nvPr/>
+      </p:nvGrpSpPr>
+      <p:grpSpPr>
+        <a:xfrm>
+          <a:off x="0" y="0"/>
+          <a:ext cx="0" cy="0"/>
+          <a:chOff x="0" y="0"/>
+          <a:chExt cx="0" cy="0"/>
+        </a:xfrm>
+      </p:grpSpPr>
+      <p:sp>
+        <p:nvSpPr>
+          <p:cNvPr id="2" name="Título 1">
+            <a:extLst>
+              <a:ext uri="{FF2B5EF4-FFF2-40B4-BE49-F238E27FC236}">
+                <a16:creationId xmlns:a16="http://schemas.microsoft.com/office/drawing/2014/main" id="{6D9233E4-EF52-498E-8E72-A81B2545F689}"/>
+              </a:ext>
+            </a:extLst>
+          </p:cNvPr>
+          <p:cNvSpPr>
+            <a:spLocks noGrp="1"/>
+          </p:cNvSpPr>
+          <p:nvPr>
+            <p:ph type="title"/>
+          </p:nvPr>
+        </p:nvSpPr>
+        <p:spPr/>
+        <p:txBody>
+          <a:bodyPr/>
+          <a:lstStyle/>
+          <a:p>
+            <a:r>
+              <a:rPr lang="pt-BR" dirty="0"/>
+              <a:t>Se a idade for maior que 18?</a:t>
+            </a:r>
+          </a:p>
+        </p:txBody>
+      </p:sp>
+      <p:sp>
+        <p:nvSpPr>
+          <p:cNvPr id="3" name="Espaço Reservado para Conteúdo 2">
+            <a:extLst>
+              <a:ext uri="{FF2B5EF4-FFF2-40B4-BE49-F238E27FC236}">
+                <a16:creationId xmlns:a16="http://schemas.microsoft.com/office/drawing/2014/main" id="{DCEFE0E7-9D04-47A6-8FDC-301436C9CEAF}"/>
+              </a:ext>
+            </a:extLst>
+          </p:cNvPr>
+          <p:cNvSpPr>
+            <a:spLocks noGrp="1"/>
+          </p:cNvSpPr>
+          <p:nvPr>
+            <p:ph idx="1"/>
+          </p:nvPr>
+        </p:nvSpPr>
+        <p:spPr/>
+        <p:txBody>
+          <a:bodyPr/>
+          <a:lstStyle/>
+          <a:p>
+            <a:endParaRPr lang="pt-BR"/>
+          </a:p>
+        </p:txBody>
+      </p:sp>
+      <p:pic>
+        <p:nvPicPr>
+          <p:cNvPr id="4" name="Imagem 3">
+            <a:extLst>
+              <a:ext uri="{FF2B5EF4-FFF2-40B4-BE49-F238E27FC236}">
+                <a16:creationId xmlns:a16="http://schemas.microsoft.com/office/drawing/2014/main" id="{3C867FC0-F787-492E-BD6B-5F48DCDCD13A}"/>
+              </a:ext>
+            </a:extLst>
+          </p:cNvPr>
+          <p:cNvPicPr>
+            <a:picLocks noChangeAspect="1"/>
+          </p:cNvPicPr>
+          <p:nvPr/>
+        </p:nvPicPr>
+        <p:blipFill>
+          <a:blip r:embed="rId2"/>
+          <a:stretch>
+            <a:fillRect/>
+          </a:stretch>
+        </p:blipFill>
+        <p:spPr>
+          <a:xfrm>
+            <a:off x="777991" y="1353344"/>
+            <a:ext cx="7867650" cy="5295900"/>
+          </a:xfrm>
+          <a:prstGeom prst="rect">
+            <a:avLst/>
+          </a:prstGeom>
+        </p:spPr>
+      </p:pic>
+    </p:spTree>
+    <p:extLst>
+      <p:ext uri="{BB962C8B-B14F-4D97-AF65-F5344CB8AC3E}">
+        <p14:creationId xmlns:p14="http://schemas.microsoft.com/office/powerpoint/2010/main" val="733410569"/>
+      </p:ext>
+    </p:extLst>
+  </p:cSld>
+  <p:clrMapOvr>
+    <a:masterClrMapping/>
+  </p:clrMapOvr>
+</p:sld>
+</file>
+
+<file path=ppt/slides/slide59.xml><?xml version="1.0" encoding="utf-8"?>
+<p:sld xmlns:a="http://schemas.openxmlformats.org/drawingml/2006/main" xmlns:r="http://schemas.openxmlformats.org/officeDocument/2006/relationships" xmlns:p="http://schemas.openxmlformats.org/presentationml/2006/main">
+  <p:cSld>
+    <p:spTree>
+      <p:nvGrpSpPr>
+        <p:cNvPr id="1" name=""/>
+        <p:cNvGrpSpPr/>
+        <p:nvPr/>
+      </p:nvGrpSpPr>
+      <p:grpSpPr>
+        <a:xfrm>
+          <a:off x="0" y="0"/>
+          <a:ext cx="0" cy="0"/>
+          <a:chOff x="0" y="0"/>
+          <a:chExt cx="0" cy="0"/>
+        </a:xfrm>
+      </p:grpSpPr>
+      <p:sp>
+        <p:nvSpPr>
+          <p:cNvPr id="2" name="Título 1">
+            <a:extLst>
+              <a:ext uri="{FF2B5EF4-FFF2-40B4-BE49-F238E27FC236}">
+                <a16:creationId xmlns:a16="http://schemas.microsoft.com/office/drawing/2014/main" id="{0F24F33C-840F-41BD-829C-8D469AB96F0A}"/>
+              </a:ext>
+            </a:extLst>
+          </p:cNvPr>
+          <p:cNvSpPr>
+            <a:spLocks noGrp="1"/>
+          </p:cNvSpPr>
+          <p:nvPr>
+            <p:ph type="title"/>
+          </p:nvPr>
+        </p:nvSpPr>
+        <p:spPr/>
+        <p:txBody>
+          <a:bodyPr/>
+          <a:lstStyle/>
+          <a:p>
+            <a:r>
+              <a:rPr lang="pt-BR" dirty="0"/>
+              <a:t>Somar dois números?</a:t>
+            </a:r>
+          </a:p>
+        </p:txBody>
+      </p:sp>
+      <p:sp>
+        <p:nvSpPr>
+          <p:cNvPr id="3" name="Espaço Reservado para Conteúdo 2">
+            <a:extLst>
+              <a:ext uri="{FF2B5EF4-FFF2-40B4-BE49-F238E27FC236}">
+                <a16:creationId xmlns:a16="http://schemas.microsoft.com/office/drawing/2014/main" id="{1DFC53C2-453A-4FAE-93BE-46A98E825846}"/>
+              </a:ext>
+            </a:extLst>
+          </p:cNvPr>
+          <p:cNvSpPr>
+            <a:spLocks noGrp="1"/>
+          </p:cNvSpPr>
+          <p:nvPr>
+            <p:ph idx="1"/>
+          </p:nvPr>
+        </p:nvSpPr>
+        <p:spPr/>
+        <p:txBody>
+          <a:bodyPr/>
+          <a:lstStyle/>
+          <a:p>
+            <a:endParaRPr lang="pt-BR"/>
+          </a:p>
+        </p:txBody>
+      </p:sp>
+      <p:pic>
+        <p:nvPicPr>
+          <p:cNvPr id="4" name="Imagem 3">
+            <a:extLst>
+              <a:ext uri="{FF2B5EF4-FFF2-40B4-BE49-F238E27FC236}">
+                <a16:creationId xmlns:a16="http://schemas.microsoft.com/office/drawing/2014/main" id="{2CBCD87B-275C-4E0F-BB2A-6E696BF13FE8}"/>
+              </a:ext>
+            </a:extLst>
+          </p:cNvPr>
+          <p:cNvPicPr>
+            <a:picLocks noChangeAspect="1"/>
+          </p:cNvPicPr>
+          <p:nvPr/>
+        </p:nvPicPr>
+        <p:blipFill>
+          <a:blip r:embed="rId2"/>
+          <a:stretch>
+            <a:fillRect/>
+          </a:stretch>
+        </p:blipFill>
+        <p:spPr>
+          <a:xfrm>
+            <a:off x="838200" y="1488556"/>
+            <a:ext cx="8124536" cy="4688407"/>
+          </a:xfrm>
+          <a:prstGeom prst="rect">
+            <a:avLst/>
+          </a:prstGeom>
+        </p:spPr>
+      </p:pic>
+    </p:spTree>
+    <p:extLst>
+      <p:ext uri="{BB962C8B-B14F-4D97-AF65-F5344CB8AC3E}">
+        <p14:creationId xmlns:p14="http://schemas.microsoft.com/office/powerpoint/2010/main" val="2424496061"/>
       </p:ext>
     </p:extLst>
   </p:cSld>
@@ -8155,6 +8941,542 @@
     <p:extLst>
       <p:ext uri="{BB962C8B-B14F-4D97-AF65-F5344CB8AC3E}">
         <p14:creationId xmlns:p14="http://schemas.microsoft.com/office/powerpoint/2010/main" val="2895318729"/>
+      </p:ext>
+    </p:extLst>
+  </p:cSld>
+  <p:clrMapOvr>
+    <a:masterClrMapping/>
+  </p:clrMapOvr>
+</p:sld>
+</file>
+
+<file path=ppt/slides/slide60.xml><?xml version="1.0" encoding="utf-8"?>
+<p:sld xmlns:a="http://schemas.openxmlformats.org/drawingml/2006/main" xmlns:r="http://schemas.openxmlformats.org/officeDocument/2006/relationships" xmlns:p="http://schemas.openxmlformats.org/presentationml/2006/main">
+  <p:cSld>
+    <p:spTree>
+      <p:nvGrpSpPr>
+        <p:cNvPr id="1" name=""/>
+        <p:cNvGrpSpPr/>
+        <p:nvPr/>
+      </p:nvGrpSpPr>
+      <p:grpSpPr>
+        <a:xfrm>
+          <a:off x="0" y="0"/>
+          <a:ext cx="0" cy="0"/>
+          <a:chOff x="0" y="0"/>
+          <a:chExt cx="0" cy="0"/>
+        </a:xfrm>
+      </p:grpSpPr>
+      <p:sp>
+        <p:nvSpPr>
+          <p:cNvPr id="2" name="Título 1">
+            <a:extLst>
+              <a:ext uri="{FF2B5EF4-FFF2-40B4-BE49-F238E27FC236}">
+                <a16:creationId xmlns:a16="http://schemas.microsoft.com/office/drawing/2014/main" id="{C58218D3-3F7C-40F4-A7C0-2A009E7CE220}"/>
+              </a:ext>
+            </a:extLst>
+          </p:cNvPr>
+          <p:cNvSpPr>
+            <a:spLocks noGrp="1"/>
+          </p:cNvSpPr>
+          <p:nvPr>
+            <p:ph type="title"/>
+          </p:nvPr>
+        </p:nvSpPr>
+        <p:spPr/>
+        <p:txBody>
+          <a:bodyPr/>
+          <a:lstStyle/>
+          <a:p>
+            <a:r>
+              <a:rPr lang="pt-BR" dirty="0"/>
+              <a:t>Calcular a média de três números?</a:t>
+            </a:r>
+          </a:p>
+        </p:txBody>
+      </p:sp>
+      <p:sp>
+        <p:nvSpPr>
+          <p:cNvPr id="3" name="Espaço Reservado para Conteúdo 2">
+            <a:extLst>
+              <a:ext uri="{FF2B5EF4-FFF2-40B4-BE49-F238E27FC236}">
+                <a16:creationId xmlns:a16="http://schemas.microsoft.com/office/drawing/2014/main" id="{8064A351-D14B-4A96-9FF9-4A26336D7772}"/>
+              </a:ext>
+            </a:extLst>
+          </p:cNvPr>
+          <p:cNvSpPr>
+            <a:spLocks noGrp="1"/>
+          </p:cNvSpPr>
+          <p:nvPr>
+            <p:ph idx="1"/>
+          </p:nvPr>
+        </p:nvSpPr>
+        <p:spPr/>
+        <p:txBody>
+          <a:bodyPr/>
+          <a:lstStyle/>
+          <a:p>
+            <a:endParaRPr lang="pt-BR" dirty="0"/>
+          </a:p>
+        </p:txBody>
+      </p:sp>
+    </p:spTree>
+    <p:extLst>
+      <p:ext uri="{BB962C8B-B14F-4D97-AF65-F5344CB8AC3E}">
+        <p14:creationId xmlns:p14="http://schemas.microsoft.com/office/powerpoint/2010/main" val="3674494753"/>
+      </p:ext>
+    </p:extLst>
+  </p:cSld>
+  <p:clrMapOvr>
+    <a:masterClrMapping/>
+  </p:clrMapOvr>
+</p:sld>
+</file>
+
+<file path=ppt/slides/slide61.xml><?xml version="1.0" encoding="utf-8"?>
+<p:sld xmlns:a="http://schemas.openxmlformats.org/drawingml/2006/main" xmlns:r="http://schemas.openxmlformats.org/officeDocument/2006/relationships" xmlns:p="http://schemas.openxmlformats.org/presentationml/2006/main">
+  <p:cSld>
+    <p:spTree>
+      <p:nvGrpSpPr>
+        <p:cNvPr id="1" name=""/>
+        <p:cNvGrpSpPr/>
+        <p:nvPr/>
+      </p:nvGrpSpPr>
+      <p:grpSpPr>
+        <a:xfrm>
+          <a:off x="0" y="0"/>
+          <a:ext cx="0" cy="0"/>
+          <a:chOff x="0" y="0"/>
+          <a:chExt cx="0" cy="0"/>
+        </a:xfrm>
+      </p:grpSpPr>
+      <p:pic>
+        <p:nvPicPr>
+          <p:cNvPr id="2" name="Imagem 1">
+            <a:extLst>
+              <a:ext uri="{FF2B5EF4-FFF2-40B4-BE49-F238E27FC236}">
+                <a16:creationId xmlns:a16="http://schemas.microsoft.com/office/drawing/2014/main" id="{B143999A-E31F-432D-AC72-7F9FEF3B9A04}"/>
+              </a:ext>
+            </a:extLst>
+          </p:cNvPr>
+          <p:cNvPicPr>
+            <a:picLocks noChangeAspect="1"/>
+          </p:cNvPicPr>
+          <p:nvPr/>
+        </p:nvPicPr>
+        <p:blipFill>
+          <a:blip r:embed="rId2"/>
+          <a:stretch>
+            <a:fillRect/>
+          </a:stretch>
+        </p:blipFill>
+        <p:spPr>
+          <a:xfrm>
+            <a:off x="208719" y="306373"/>
+            <a:ext cx="7496175" cy="6362700"/>
+          </a:xfrm>
+          <a:prstGeom prst="rect">
+            <a:avLst/>
+          </a:prstGeom>
+        </p:spPr>
+      </p:pic>
+    </p:spTree>
+    <p:extLst>
+      <p:ext uri="{BB962C8B-B14F-4D97-AF65-F5344CB8AC3E}">
+        <p14:creationId xmlns:p14="http://schemas.microsoft.com/office/powerpoint/2010/main" val="655410184"/>
+      </p:ext>
+    </p:extLst>
+  </p:cSld>
+  <p:clrMapOvr>
+    <a:masterClrMapping/>
+  </p:clrMapOvr>
+</p:sld>
+</file>
+
+<file path=ppt/slides/slide62.xml><?xml version="1.0" encoding="utf-8"?>
+<p:sld xmlns:a="http://schemas.openxmlformats.org/drawingml/2006/main" xmlns:r="http://schemas.openxmlformats.org/officeDocument/2006/relationships" xmlns:p="http://schemas.openxmlformats.org/presentationml/2006/main">
+  <p:cSld>
+    <p:spTree>
+      <p:nvGrpSpPr>
+        <p:cNvPr id="1" name=""/>
+        <p:cNvGrpSpPr/>
+        <p:nvPr/>
+      </p:nvGrpSpPr>
+      <p:grpSpPr>
+        <a:xfrm>
+          <a:off x="0" y="0"/>
+          <a:ext cx="0" cy="0"/>
+          <a:chOff x="0" y="0"/>
+          <a:chExt cx="0" cy="0"/>
+        </a:xfrm>
+      </p:grpSpPr>
+      <p:sp>
+        <p:nvSpPr>
+          <p:cNvPr id="2" name="Título 1">
+            <a:extLst>
+              <a:ext uri="{FF2B5EF4-FFF2-40B4-BE49-F238E27FC236}">
+                <a16:creationId xmlns:a16="http://schemas.microsoft.com/office/drawing/2014/main" id="{74741B5E-E31F-4D30-B923-8CD448C8F499}"/>
+              </a:ext>
+            </a:extLst>
+          </p:cNvPr>
+          <p:cNvSpPr>
+            <a:spLocks noGrp="1"/>
+          </p:cNvSpPr>
+          <p:nvPr>
+            <p:ph type="title"/>
+          </p:nvPr>
+        </p:nvSpPr>
+        <p:spPr/>
+        <p:txBody>
+          <a:bodyPr/>
+          <a:lstStyle/>
+          <a:p>
+            <a:r>
+              <a:rPr lang="pt-BR" dirty="0"/>
+              <a:t>Ferramentas de </a:t>
+            </a:r>
+            <a:r>
+              <a:rPr lang="pt-BR" dirty="0" err="1"/>
+              <a:t>Prompt</a:t>
+            </a:r>
+            <a:r>
+              <a:rPr lang="pt-BR" dirty="0"/>
+              <a:t> (Engenharia de </a:t>
+            </a:r>
+            <a:r>
+              <a:rPr lang="pt-BR" dirty="0" err="1"/>
+              <a:t>Prompt</a:t>
+            </a:r>
+            <a:r>
+              <a:rPr lang="pt-BR" dirty="0"/>
+              <a:t>)</a:t>
+            </a:r>
+          </a:p>
+        </p:txBody>
+      </p:sp>
+      <p:sp>
+        <p:nvSpPr>
+          <p:cNvPr id="3" name="Espaço Reservado para Conteúdo 2">
+            <a:extLst>
+              <a:ext uri="{FF2B5EF4-FFF2-40B4-BE49-F238E27FC236}">
+                <a16:creationId xmlns:a16="http://schemas.microsoft.com/office/drawing/2014/main" id="{AFEE21D1-200A-416F-B0BB-B03238C1D94D}"/>
+              </a:ext>
+            </a:extLst>
+          </p:cNvPr>
+          <p:cNvSpPr>
+            <a:spLocks noGrp="1"/>
+          </p:cNvSpPr>
+          <p:nvPr>
+            <p:ph idx="1"/>
+          </p:nvPr>
+        </p:nvSpPr>
+        <p:spPr/>
+        <p:txBody>
+          <a:bodyPr/>
+          <a:lstStyle/>
+          <a:p>
+            <a:r>
+              <a:rPr lang="pt-BR" dirty="0" err="1"/>
+              <a:t>Copilot</a:t>
+            </a:r>
+            <a:r>
+              <a:rPr lang="pt-BR" dirty="0"/>
+              <a:t> (GitHub </a:t>
+            </a:r>
+            <a:r>
+              <a:rPr lang="pt-BR" dirty="0" err="1"/>
+              <a:t>Copilot</a:t>
+            </a:r>
+            <a:r>
+              <a:rPr lang="pt-BR" dirty="0"/>
+              <a:t>)</a:t>
+            </a:r>
+          </a:p>
+          <a:p>
+            <a:r>
+              <a:rPr lang="pt-BR" dirty="0"/>
+              <a:t>Ferramentas</a:t>
+            </a:r>
+          </a:p>
+          <a:p>
+            <a:pPr lvl="1"/>
+            <a:r>
+              <a:rPr lang="pt-BR" dirty="0">
+                <a:solidFill>
+                  <a:schemeClr val="bg1"/>
+                </a:solidFill>
+                <a:highlight>
+                  <a:srgbClr val="008000"/>
+                </a:highlight>
+              </a:rPr>
+              <a:t>Maritaca – Sabiá-3 (GPT do Brasil)</a:t>
+            </a:r>
+          </a:p>
+          <a:p>
+            <a:pPr lvl="1"/>
+            <a:r>
+              <a:rPr lang="pt-BR" dirty="0" err="1">
+                <a:highlight>
+                  <a:srgbClr val="FFFF00"/>
+                </a:highlight>
+              </a:rPr>
+              <a:t>Grok</a:t>
+            </a:r>
+            <a:r>
+              <a:rPr lang="pt-BR" dirty="0">
+                <a:highlight>
+                  <a:srgbClr val="FFFF00"/>
+                </a:highlight>
+              </a:rPr>
+              <a:t> (</a:t>
+            </a:r>
+            <a:r>
+              <a:rPr lang="pt-BR" dirty="0" err="1">
+                <a:highlight>
+                  <a:srgbClr val="FFFF00"/>
+                </a:highlight>
+              </a:rPr>
+              <a:t>xAI</a:t>
+            </a:r>
+            <a:r>
+              <a:rPr lang="pt-BR" dirty="0">
+                <a:highlight>
+                  <a:srgbClr val="FFFF00"/>
+                </a:highlight>
+              </a:rPr>
+              <a:t>)</a:t>
+            </a:r>
+          </a:p>
+          <a:p>
+            <a:pPr lvl="1"/>
+            <a:r>
+              <a:rPr lang="pt-BR" dirty="0" err="1"/>
+              <a:t>ChatGPT</a:t>
+            </a:r>
+            <a:r>
+              <a:rPr lang="pt-BR" dirty="0"/>
+              <a:t> (Open AI)</a:t>
+            </a:r>
+          </a:p>
+          <a:p>
+            <a:pPr lvl="1"/>
+            <a:r>
+              <a:rPr lang="pt-BR" dirty="0" err="1"/>
+              <a:t>Minstral</a:t>
+            </a:r>
+            <a:r>
+              <a:rPr lang="pt-BR" dirty="0"/>
+              <a:t> (</a:t>
+            </a:r>
+            <a:r>
+              <a:rPr lang="pt-BR" dirty="0" err="1"/>
+              <a:t>LeChat</a:t>
+            </a:r>
+            <a:r>
+              <a:rPr lang="pt-BR" dirty="0"/>
+              <a:t>)</a:t>
+            </a:r>
+          </a:p>
+          <a:p>
+            <a:pPr lvl="1"/>
+            <a:r>
+              <a:rPr lang="pt-BR" dirty="0"/>
+              <a:t>Gemini</a:t>
+            </a:r>
+          </a:p>
+          <a:p>
+            <a:pPr lvl="1"/>
+            <a:r>
+              <a:rPr lang="pt-BR" dirty="0"/>
+              <a:t>Gemini AI Studio</a:t>
+            </a:r>
+          </a:p>
+        </p:txBody>
+      </p:sp>
+    </p:spTree>
+    <p:extLst>
+      <p:ext uri="{BB962C8B-B14F-4D97-AF65-F5344CB8AC3E}">
+        <p14:creationId xmlns:p14="http://schemas.microsoft.com/office/powerpoint/2010/main" val="2989483365"/>
+      </p:ext>
+    </p:extLst>
+  </p:cSld>
+  <p:clrMapOvr>
+    <a:masterClrMapping/>
+  </p:clrMapOvr>
+</p:sld>
+</file>
+
+<file path=ppt/slides/slide63.xml><?xml version="1.0" encoding="utf-8"?>
+<p:sld xmlns:a="http://schemas.openxmlformats.org/drawingml/2006/main" xmlns:r="http://schemas.openxmlformats.org/officeDocument/2006/relationships" xmlns:p="http://schemas.openxmlformats.org/presentationml/2006/main">
+  <p:cSld>
+    <p:spTree>
+      <p:nvGrpSpPr>
+        <p:cNvPr id="1" name=""/>
+        <p:cNvGrpSpPr/>
+        <p:nvPr/>
+      </p:nvGrpSpPr>
+      <p:grpSpPr>
+        <a:xfrm>
+          <a:off x="0" y="0"/>
+          <a:ext cx="0" cy="0"/>
+          <a:chOff x="0" y="0"/>
+          <a:chExt cx="0" cy="0"/>
+        </a:xfrm>
+      </p:grpSpPr>
+      <p:pic>
+        <p:nvPicPr>
+          <p:cNvPr id="2" name="Imagem 1">
+            <a:extLst>
+              <a:ext uri="{FF2B5EF4-FFF2-40B4-BE49-F238E27FC236}">
+                <a16:creationId xmlns:a16="http://schemas.microsoft.com/office/drawing/2014/main" id="{7A7A40A7-8717-469E-8E71-CDAC04CDA0FB}"/>
+              </a:ext>
+            </a:extLst>
+          </p:cNvPr>
+          <p:cNvPicPr>
+            <a:picLocks noChangeAspect="1"/>
+          </p:cNvPicPr>
+          <p:nvPr/>
+        </p:nvPicPr>
+        <p:blipFill>
+          <a:blip r:embed="rId2"/>
+          <a:stretch>
+            <a:fillRect/>
+          </a:stretch>
+        </p:blipFill>
+        <p:spPr>
+          <a:xfrm>
+            <a:off x="2206172" y="1785258"/>
+            <a:ext cx="6634076" cy="2930298"/>
+          </a:xfrm>
+          <a:prstGeom prst="rect">
+            <a:avLst/>
+          </a:prstGeom>
+        </p:spPr>
+      </p:pic>
+    </p:spTree>
+    <p:extLst>
+      <p:ext uri="{BB962C8B-B14F-4D97-AF65-F5344CB8AC3E}">
+        <p14:creationId xmlns:p14="http://schemas.microsoft.com/office/powerpoint/2010/main" val="1821571477"/>
+      </p:ext>
+    </p:extLst>
+  </p:cSld>
+  <p:clrMapOvr>
+    <a:masterClrMapping/>
+  </p:clrMapOvr>
+</p:sld>
+</file>
+
+<file path=ppt/slides/slide64.xml><?xml version="1.0" encoding="utf-8"?>
+<p:sld xmlns:a="http://schemas.openxmlformats.org/drawingml/2006/main" xmlns:r="http://schemas.openxmlformats.org/officeDocument/2006/relationships" xmlns:p="http://schemas.openxmlformats.org/presentationml/2006/main">
+  <p:cSld>
+    <p:spTree>
+      <p:nvGrpSpPr>
+        <p:cNvPr id="1" name=""/>
+        <p:cNvGrpSpPr/>
+        <p:nvPr/>
+      </p:nvGrpSpPr>
+      <p:grpSpPr>
+        <a:xfrm>
+          <a:off x="0" y="0"/>
+          <a:ext cx="0" cy="0"/>
+          <a:chOff x="0" y="0"/>
+          <a:chExt cx="0" cy="0"/>
+        </a:xfrm>
+      </p:grpSpPr>
+      <p:pic>
+        <p:nvPicPr>
+          <p:cNvPr id="2" name="Imagem 1">
+            <a:extLst>
+              <a:ext uri="{FF2B5EF4-FFF2-40B4-BE49-F238E27FC236}">
+                <a16:creationId xmlns:a16="http://schemas.microsoft.com/office/drawing/2014/main" id="{C2C09DCC-636C-48A2-8310-F8B9CDB9F6E4}"/>
+              </a:ext>
+            </a:extLst>
+          </p:cNvPr>
+          <p:cNvPicPr>
+            <a:picLocks noChangeAspect="1"/>
+          </p:cNvPicPr>
+          <p:nvPr/>
+        </p:nvPicPr>
+        <p:blipFill>
+          <a:blip r:embed="rId2"/>
+          <a:stretch>
+            <a:fillRect/>
+          </a:stretch>
+        </p:blipFill>
+        <p:spPr>
+          <a:xfrm>
+            <a:off x="3067024" y="1480457"/>
+            <a:ext cx="6057951" cy="3536723"/>
+          </a:xfrm>
+          <a:prstGeom prst="rect">
+            <a:avLst/>
+          </a:prstGeom>
+        </p:spPr>
+      </p:pic>
+    </p:spTree>
+    <p:extLst>
+      <p:ext uri="{BB962C8B-B14F-4D97-AF65-F5344CB8AC3E}">
+        <p14:creationId xmlns:p14="http://schemas.microsoft.com/office/powerpoint/2010/main" val="2161776903"/>
+      </p:ext>
+    </p:extLst>
+  </p:cSld>
+  <p:clrMapOvr>
+    <a:masterClrMapping/>
+  </p:clrMapOvr>
+</p:sld>
+</file>
+
+<file path=ppt/slides/slide65.xml><?xml version="1.0" encoding="utf-8"?>
+<p:sld xmlns:a="http://schemas.openxmlformats.org/drawingml/2006/main" xmlns:r="http://schemas.openxmlformats.org/officeDocument/2006/relationships" xmlns:p="http://schemas.openxmlformats.org/presentationml/2006/main">
+  <p:cSld>
+    <p:spTree>
+      <p:nvGrpSpPr>
+        <p:cNvPr id="1" name=""/>
+        <p:cNvGrpSpPr/>
+        <p:nvPr/>
+      </p:nvGrpSpPr>
+      <p:grpSpPr>
+        <a:xfrm>
+          <a:off x="0" y="0"/>
+          <a:ext cx="0" cy="0"/>
+          <a:chOff x="0" y="0"/>
+          <a:chExt cx="0" cy="0"/>
+        </a:xfrm>
+      </p:grpSpPr>
+      <p:pic>
+        <p:nvPicPr>
+          <p:cNvPr id="2" name="Imagem 1">
+            <a:extLst>
+              <a:ext uri="{FF2B5EF4-FFF2-40B4-BE49-F238E27FC236}">
+                <a16:creationId xmlns:a16="http://schemas.microsoft.com/office/drawing/2014/main" id="{207C687F-C871-4C11-B1EF-EB5EA60E2B87}"/>
+              </a:ext>
+            </a:extLst>
+          </p:cNvPr>
+          <p:cNvPicPr>
+            <a:picLocks noChangeAspect="1"/>
+          </p:cNvPicPr>
+          <p:nvPr/>
+        </p:nvPicPr>
+        <p:blipFill>
+          <a:blip r:embed="rId2"/>
+          <a:stretch>
+            <a:fillRect/>
+          </a:stretch>
+        </p:blipFill>
+        <p:spPr>
+          <a:xfrm>
+            <a:off x="1553029" y="1245925"/>
+            <a:ext cx="9398294" cy="4516246"/>
+          </a:xfrm>
+          <a:prstGeom prst="rect">
+            <a:avLst/>
+          </a:prstGeom>
+        </p:spPr>
+      </p:pic>
+    </p:spTree>
+    <p:extLst>
+      <p:ext uri="{BB962C8B-B14F-4D97-AF65-F5344CB8AC3E}">
+        <p14:creationId xmlns:p14="http://schemas.microsoft.com/office/powerpoint/2010/main" val="3948534472"/>
       </p:ext>
     </p:extLst>
   </p:cSld>
